--- a/presentation-source/13-apis.pptx
+++ b/presentation-source/13-apis.pptx
@@ -12,15 +12,15 @@
     <p:sldId id="266" r:id="rId3"/>
     <p:sldId id="257" r:id="rId4"/>
     <p:sldId id="261" r:id="rId5"/>
-    <p:sldId id="262" r:id="rId6"/>
+    <p:sldId id="271" r:id="rId6"/>
     <p:sldId id="263" r:id="rId7"/>
-    <p:sldId id="264" r:id="rId8"/>
-    <p:sldId id="265" r:id="rId9"/>
-    <p:sldId id="267" r:id="rId10"/>
-    <p:sldId id="258" r:id="rId11"/>
-    <p:sldId id="259" r:id="rId12"/>
-    <p:sldId id="260" r:id="rId13"/>
-    <p:sldId id="268" r:id="rId14"/>
+    <p:sldId id="265" r:id="rId8"/>
+    <p:sldId id="267" r:id="rId9"/>
+    <p:sldId id="258" r:id="rId10"/>
+    <p:sldId id="259" r:id="rId11"/>
+    <p:sldId id="260" r:id="rId12"/>
+    <p:sldId id="268" r:id="rId13"/>
+    <p:sldId id="272" r:id="rId14"/>
     <p:sldId id="269" r:id="rId15"/>
     <p:sldId id="270" r:id="rId16"/>
   </p:sldIdLst>
@@ -170,7 +170,7 @@
           <a:lstStyle>
             <a:lvl1pPr algn="l">
               <a:defRPr sz="1200">
-                <a:latin typeface="Calisto MT"/>
+                <a:latin typeface="Montserrat"/>
               </a:defRPr>
             </a:lvl1pPr>
           </a:lstStyle>
@@ -203,7 +203,7 @@
           <a:lstStyle>
             <a:lvl1pPr algn="r">
               <a:defRPr sz="1200">
-                <a:latin typeface="Calisto MT"/>
+                <a:latin typeface="Montserrat"/>
               </a:defRPr>
             </a:lvl1pPr>
           </a:lstStyle>
@@ -211,7 +211,7 @@
             <a:fld id="{7307762F-A706-E543-A832-3C298AA3103F}" type="datetimeFigureOut">
               <a:rPr lang="en-US" smtClean="0"/>
               <a:pPr/>
-              <a:t>08/09/15</a:t>
+              <a:t>10/06/16</a:t>
             </a:fld>
             <a:endParaRPr lang="en-US" dirty="0"/>
           </a:p>
@@ -334,7 +334,7 @@
           <a:lstStyle>
             <a:lvl1pPr algn="l">
               <a:defRPr sz="1200">
-                <a:latin typeface="Calisto MT"/>
+                <a:latin typeface="Montserrat"/>
               </a:defRPr>
             </a:lvl1pPr>
           </a:lstStyle>
@@ -367,7 +367,7 @@
           <a:lstStyle>
             <a:lvl1pPr algn="r">
               <a:defRPr sz="1200">
-                <a:latin typeface="Calisto MT"/>
+                <a:latin typeface="Montserrat"/>
               </a:defRPr>
             </a:lvl1pPr>
           </a:lstStyle>
@@ -395,7 +395,7 @@
         <a:solidFill>
           <a:schemeClr val="tx1"/>
         </a:solidFill>
-        <a:latin typeface="Calisto MT"/>
+        <a:latin typeface="Montserrat"/>
         <a:ea typeface="+mn-ea"/>
         <a:cs typeface="+mn-cs"/>
       </a:defRPr>
@@ -405,7 +405,7 @@
         <a:solidFill>
           <a:schemeClr val="tx1"/>
         </a:solidFill>
-        <a:latin typeface="Calisto MT"/>
+        <a:latin typeface="Montserrat"/>
         <a:ea typeface="+mn-ea"/>
         <a:cs typeface="+mn-cs"/>
       </a:defRPr>
@@ -415,7 +415,7 @@
         <a:solidFill>
           <a:schemeClr val="tx1"/>
         </a:solidFill>
-        <a:latin typeface="Calisto MT"/>
+        <a:latin typeface="Montserrat"/>
         <a:ea typeface="+mn-ea"/>
         <a:cs typeface="+mn-cs"/>
       </a:defRPr>
@@ -425,7 +425,7 @@
         <a:solidFill>
           <a:schemeClr val="tx1"/>
         </a:solidFill>
-        <a:latin typeface="Calisto MT"/>
+        <a:latin typeface="Montserrat"/>
         <a:ea typeface="+mn-ea"/>
         <a:cs typeface="+mn-cs"/>
       </a:defRPr>
@@ -435,7 +435,7 @@
         <a:solidFill>
           <a:schemeClr val="tx1"/>
         </a:solidFill>
-        <a:latin typeface="Calisto MT"/>
+        <a:latin typeface="Montserrat"/>
         <a:ea typeface="+mn-ea"/>
         <a:cs typeface="+mn-cs"/>
       </a:defRPr>
@@ -482,860 +482,6 @@
     </a:lvl9pPr>
   </p:notesStyle>
 </p:notesMaster>
-</file>
-
-<file path=ppt/notesSlides/notesSlide1.xml><?xml version="1.0" encoding="utf-8"?>
-<p:notes xmlns:a="http://schemas.openxmlformats.org/drawingml/2006/main" xmlns:r="http://schemas.openxmlformats.org/officeDocument/2006/relationships" xmlns:p="http://schemas.openxmlformats.org/presentationml/2006/main">
-  <p:cSld>
-    <p:spTree>
-      <p:nvGrpSpPr>
-        <p:cNvPr id="1" name=""/>
-        <p:cNvGrpSpPr/>
-        <p:nvPr/>
-      </p:nvGrpSpPr>
-      <p:grpSpPr>
-        <a:xfrm>
-          <a:off x="0" y="0"/>
-          <a:ext cx="0" cy="0"/>
-          <a:chOff x="0" y="0"/>
-          <a:chExt cx="0" cy="0"/>
-        </a:xfrm>
-      </p:grpSpPr>
-      <p:sp>
-        <p:nvSpPr>
-          <p:cNvPr id="20481" name="Slide Image Placeholder 1"/>
-          <p:cNvSpPr>
-            <a:spLocks noGrp="1" noRot="1" noChangeAspect="1"/>
-          </p:cNvSpPr>
-          <p:nvPr>
-            <p:ph type="sldImg"/>
-          </p:nvPr>
-        </p:nvSpPr>
-        <p:spPr bwMode="auto">
-          <a:noFill/>
-          <a:ln>
-            <a:solidFill>
-              <a:srgbClr val="000000"/>
-            </a:solidFill>
-            <a:miter lim="800000"/>
-            <a:headEnd/>
-            <a:tailEnd/>
-          </a:ln>
-          <a:extLst>
-            <a:ext uri="{909E8E84-426E-40dd-AFC4-6F175D3DCCD1}">
-              <a14:hiddenFill xmlns:a14="http://schemas.microsoft.com/office/drawing/2010/main">
-                <a:solidFill>
-                  <a:srgbClr val="FFFFFF"/>
-                </a:solidFill>
-              </a14:hiddenFill>
-            </a:ext>
-            <a:ext uri="{FAA26D3D-D897-4be2-8F04-BA451C77F1D7}">
-              <ma14:placeholderFlag xmlns:ma14="http://schemas.microsoft.com/office/mac/drawingml/2011/main" val="1"/>
-            </a:ext>
-          </a:extLst>
-        </p:spPr>
-      </p:sp>
-      <p:sp>
-        <p:nvSpPr>
-          <p:cNvPr id="20482" name="Notes Placeholder 2"/>
-          <p:cNvSpPr>
-            <a:spLocks noGrp="1"/>
-          </p:cNvSpPr>
-          <p:nvPr>
-            <p:ph type="body" idx="1"/>
-          </p:nvPr>
-        </p:nvSpPr>
-        <p:spPr bwMode="auto">
-          <a:noFill/>
-          <a:extLst>
-            <a:ext uri="{909E8E84-426E-40dd-AFC4-6F175D3DCCD1}">
-              <a14:hiddenFill xmlns:a14="http://schemas.microsoft.com/office/drawing/2010/main">
-                <a:solidFill>
-                  <a:srgbClr val="FFFFFF"/>
-                </a:solidFill>
-              </a14:hiddenFill>
-            </a:ext>
-            <a:ext uri="{91240B29-F687-4f45-9708-019B960494DF}">
-              <a14:hiddenLine xmlns:a14="http://schemas.microsoft.com/office/drawing/2010/main" w="9525">
-                <a:solidFill>
-                  <a:srgbClr val="000000"/>
-                </a:solidFill>
-                <a:miter lim="800000"/>
-                <a:headEnd/>
-                <a:tailEnd/>
-              </a14:hiddenLine>
-            </a:ext>
-          </a:extLst>
-        </p:spPr>
-        <p:txBody>
-          <a:bodyPr wrap="square" numCol="1" anchor="t" anchorCtr="0" compatLnSpc="1">
-            <a:prstTxWarp prst="textNoShape">
-              <a:avLst/>
-            </a:prstTxWarp>
-          </a:bodyPr>
-          <a:lstStyle/>
-          <a:p>
-            <a:pPr eaLnBrk="1" hangingPunct="1">
-              <a:spcBef>
-                <a:spcPct val="0"/>
-              </a:spcBef>
-            </a:pPr>
-            <a:r>
-              <a:rPr lang="en-US">
-                <a:latin typeface="Calibri" charset="0"/>
-              </a:rPr>
-              <a:t>Source: http://blog.programmableweb.com/2011/10/03/4000-web-apis-whats-hot-and-whats-next/   downloaded on 18, October 2011</a:t>
-            </a:r>
-          </a:p>
-          <a:p>
-            <a:pPr eaLnBrk="1" hangingPunct="1">
-              <a:spcBef>
-                <a:spcPct val="0"/>
-              </a:spcBef>
-            </a:pPr>
-            <a:endParaRPr lang="en-US">
-              <a:latin typeface="Calibri" charset="0"/>
-            </a:endParaRPr>
-          </a:p>
-          <a:p>
-            <a:pPr eaLnBrk="1" hangingPunct="1">
-              <a:spcBef>
-                <a:spcPct val="0"/>
-              </a:spcBef>
-            </a:pPr>
-            <a:r>
-              <a:rPr lang="en-US">
-                <a:latin typeface="Calibri" charset="0"/>
-              </a:rPr>
-              <a:t>Significant proliferation of published APIs</a:t>
-            </a:r>
-          </a:p>
-          <a:p>
-            <a:pPr lvl="1" eaLnBrk="1" hangingPunct="1">
-              <a:spcBef>
-                <a:spcPct val="0"/>
-              </a:spcBef>
-            </a:pPr>
-            <a:r>
-              <a:rPr lang="en-US">
-                <a:latin typeface="Calibri" charset="0"/>
-              </a:rPr>
-              <a:t>4105 APIs and 6215 mashups on programmable web alone (as of 18 October 2011)</a:t>
-            </a:r>
-          </a:p>
-          <a:p>
-            <a:pPr eaLnBrk="1" hangingPunct="1">
-              <a:spcBef>
-                <a:spcPct val="0"/>
-              </a:spcBef>
-            </a:pPr>
-            <a:endParaRPr lang="en-US">
-              <a:latin typeface="Calibri" charset="0"/>
-            </a:endParaRPr>
-          </a:p>
-          <a:p>
-            <a:pPr eaLnBrk="1" hangingPunct="1">
-              <a:spcBef>
-                <a:spcPct val="0"/>
-              </a:spcBef>
-            </a:pPr>
-            <a:r>
-              <a:rPr lang="en-US" b="1">
-                <a:latin typeface="Calibri" charset="0"/>
-              </a:rPr>
-              <a:t>Top 5 Types of APIs in 2010</a:t>
-            </a:r>
-            <a:endParaRPr lang="en-US">
-              <a:latin typeface="Calibri" charset="0"/>
-            </a:endParaRPr>
-          </a:p>
-          <a:p>
-            <a:pPr eaLnBrk="1" hangingPunct="1">
-              <a:spcBef>
-                <a:spcPct val="0"/>
-              </a:spcBef>
-            </a:pPr>
-            <a:r>
-              <a:rPr lang="en-US">
-                <a:latin typeface="Calibri" charset="0"/>
-                <a:hlinkClick r:id="rId3"/>
-              </a:rPr>
-              <a:t>Social (149)</a:t>
-            </a:r>
-          </a:p>
-          <a:p>
-            <a:pPr eaLnBrk="1" hangingPunct="1">
-              <a:spcBef>
-                <a:spcPct val="0"/>
-              </a:spcBef>
-            </a:pPr>
-            <a:r>
-              <a:rPr lang="en-US">
-                <a:latin typeface="Calibri" charset="0"/>
-                <a:hlinkClick r:id="rId4"/>
-              </a:rPr>
-              <a:t>Internet (112)</a:t>
-            </a:r>
-          </a:p>
-          <a:p>
-            <a:pPr eaLnBrk="1" hangingPunct="1">
-              <a:spcBef>
-                <a:spcPct val="0"/>
-              </a:spcBef>
-            </a:pPr>
-            <a:r>
-              <a:rPr lang="en-US">
-                <a:latin typeface="Calibri" charset="0"/>
-                <a:hlinkClick r:id="rId5"/>
-              </a:rPr>
-              <a:t>Mapping (103)</a:t>
-            </a:r>
-          </a:p>
-          <a:p>
-            <a:pPr eaLnBrk="1" hangingPunct="1">
-              <a:spcBef>
-                <a:spcPct val="0"/>
-              </a:spcBef>
-            </a:pPr>
-            <a:r>
-              <a:rPr lang="en-US">
-                <a:latin typeface="Calibri" charset="0"/>
-                <a:hlinkClick r:id="rId6"/>
-              </a:rPr>
-              <a:t>Search (83)</a:t>
-            </a:r>
-          </a:p>
-          <a:p>
-            <a:pPr eaLnBrk="1" hangingPunct="1">
-              <a:spcBef>
-                <a:spcPct val="0"/>
-              </a:spcBef>
-            </a:pPr>
-            <a:r>
-              <a:rPr lang="de-DE">
-                <a:latin typeface="Calibri" charset="0"/>
-                <a:hlinkClick r:id="rId7"/>
-              </a:rPr>
-              <a:t>Mobile (74)</a:t>
-            </a:r>
-            <a:endParaRPr lang="de-DE">
-              <a:latin typeface="Calibri" charset="0"/>
-            </a:endParaRPr>
-          </a:p>
-          <a:p>
-            <a:pPr eaLnBrk="1" hangingPunct="1">
-              <a:spcBef>
-                <a:spcPct val="0"/>
-              </a:spcBef>
-            </a:pPr>
-            <a:endParaRPr lang="en-US">
-              <a:latin typeface="Calibri" charset="0"/>
-            </a:endParaRPr>
-          </a:p>
-        </p:txBody>
-      </p:sp>
-      <p:sp>
-        <p:nvSpPr>
-          <p:cNvPr id="20483" name="Slide Number Placeholder 3"/>
-          <p:cNvSpPr>
-            <a:spLocks noGrp="1"/>
-          </p:cNvSpPr>
-          <p:nvPr>
-            <p:ph type="sldNum" sz="quarter" idx="5"/>
-          </p:nvPr>
-        </p:nvSpPr>
-        <p:spPr bwMode="auto">
-          <a:noFill/>
-          <a:extLst>
-            <a:ext uri="{909E8E84-426E-40dd-AFC4-6F175D3DCCD1}">
-              <a14:hiddenFill xmlns:a14="http://schemas.microsoft.com/office/drawing/2010/main">
-                <a:solidFill>
-                  <a:srgbClr val="FFFFFF"/>
-                </a:solidFill>
-              </a14:hiddenFill>
-            </a:ext>
-            <a:ext uri="{91240B29-F687-4f45-9708-019B960494DF}">
-              <a14:hiddenLine xmlns:a14="http://schemas.microsoft.com/office/drawing/2010/main" w="9525">
-                <a:solidFill>
-                  <a:srgbClr val="000000"/>
-                </a:solidFill>
-                <a:miter lim="800000"/>
-                <a:headEnd/>
-                <a:tailEnd/>
-              </a14:hiddenLine>
-            </a:ext>
-          </a:extLst>
-        </p:spPr>
-        <p:txBody>
-          <a:bodyPr wrap="square" numCol="1" anchorCtr="0" compatLnSpc="1">
-            <a:prstTxWarp prst="textNoShape">
-              <a:avLst/>
-            </a:prstTxWarp>
-          </a:bodyPr>
-          <a:lstStyle>
-            <a:lvl1pPr eaLnBrk="0" hangingPunct="0">
-              <a:defRPr sz="2400">
-                <a:solidFill>
-                  <a:schemeClr val="tx1"/>
-                </a:solidFill>
-                <a:latin typeface="Calibri" charset="0"/>
-                <a:ea typeface="ＭＳ Ｐゴシック" charset="0"/>
-                <a:cs typeface="ＭＳ Ｐゴシック" charset="0"/>
-              </a:defRPr>
-            </a:lvl1pPr>
-            <a:lvl2pPr marL="742883" indent="-285724" eaLnBrk="0" hangingPunct="0">
-              <a:defRPr sz="2400">
-                <a:solidFill>
-                  <a:schemeClr val="tx1"/>
-                </a:solidFill>
-                <a:latin typeface="Calibri" charset="0"/>
-                <a:ea typeface="ＭＳ Ｐゴシック" charset="0"/>
-              </a:defRPr>
-            </a:lvl2pPr>
-            <a:lvl3pPr marL="1142898" indent="-228580" eaLnBrk="0" hangingPunct="0">
-              <a:defRPr sz="2400">
-                <a:solidFill>
-                  <a:schemeClr val="tx1"/>
-                </a:solidFill>
-                <a:latin typeface="Calibri" charset="0"/>
-                <a:ea typeface="ＭＳ Ｐゴシック" charset="0"/>
-              </a:defRPr>
-            </a:lvl3pPr>
-            <a:lvl4pPr marL="1600057" indent="-228580" eaLnBrk="0" hangingPunct="0">
-              <a:defRPr sz="2400">
-                <a:solidFill>
-                  <a:schemeClr val="tx1"/>
-                </a:solidFill>
-                <a:latin typeface="Calibri" charset="0"/>
-                <a:ea typeface="ＭＳ Ｐゴシック" charset="0"/>
-              </a:defRPr>
-            </a:lvl4pPr>
-            <a:lvl5pPr marL="2057217" indent="-228580" eaLnBrk="0" hangingPunct="0">
-              <a:defRPr sz="2400">
-                <a:solidFill>
-                  <a:schemeClr val="tx1"/>
-                </a:solidFill>
-                <a:latin typeface="Calibri" charset="0"/>
-                <a:ea typeface="ＭＳ Ｐゴシック" charset="0"/>
-              </a:defRPr>
-            </a:lvl5pPr>
-            <a:lvl6pPr marL="2514376" indent="-228580" eaLnBrk="0" fontAlgn="base" hangingPunct="0">
-              <a:spcBef>
-                <a:spcPct val="0"/>
-              </a:spcBef>
-              <a:spcAft>
-                <a:spcPct val="0"/>
-              </a:spcAft>
-              <a:defRPr sz="2400">
-                <a:solidFill>
-                  <a:schemeClr val="tx1"/>
-                </a:solidFill>
-                <a:latin typeface="Calibri" charset="0"/>
-                <a:ea typeface="ＭＳ Ｐゴシック" charset="0"/>
-              </a:defRPr>
-            </a:lvl6pPr>
-            <a:lvl7pPr marL="2971535" indent="-228580" eaLnBrk="0" fontAlgn="base" hangingPunct="0">
-              <a:spcBef>
-                <a:spcPct val="0"/>
-              </a:spcBef>
-              <a:spcAft>
-                <a:spcPct val="0"/>
-              </a:spcAft>
-              <a:defRPr sz="2400">
-                <a:solidFill>
-                  <a:schemeClr val="tx1"/>
-                </a:solidFill>
-                <a:latin typeface="Calibri" charset="0"/>
-                <a:ea typeface="ＭＳ Ｐゴシック" charset="0"/>
-              </a:defRPr>
-            </a:lvl7pPr>
-            <a:lvl8pPr marL="3428695" indent="-228580" eaLnBrk="0" fontAlgn="base" hangingPunct="0">
-              <a:spcBef>
-                <a:spcPct val="0"/>
-              </a:spcBef>
-              <a:spcAft>
-                <a:spcPct val="0"/>
-              </a:spcAft>
-              <a:defRPr sz="2400">
-                <a:solidFill>
-                  <a:schemeClr val="tx1"/>
-                </a:solidFill>
-                <a:latin typeface="Calibri" charset="0"/>
-                <a:ea typeface="ＭＳ Ｐゴシック" charset="0"/>
-              </a:defRPr>
-            </a:lvl8pPr>
-            <a:lvl9pPr marL="3885854" indent="-228580" eaLnBrk="0" fontAlgn="base" hangingPunct="0">
-              <a:spcBef>
-                <a:spcPct val="0"/>
-              </a:spcBef>
-              <a:spcAft>
-                <a:spcPct val="0"/>
-              </a:spcAft>
-              <a:defRPr sz="2400">
-                <a:solidFill>
-                  <a:schemeClr val="tx1"/>
-                </a:solidFill>
-                <a:latin typeface="Calibri" charset="0"/>
-                <a:ea typeface="ＭＳ Ｐゴシック" charset="0"/>
-              </a:defRPr>
-            </a:lvl9pPr>
-          </a:lstStyle>
-          <a:p>
-            <a:pPr eaLnBrk="1" fontAlgn="base" hangingPunct="1">
-              <a:spcBef>
-                <a:spcPct val="0"/>
-              </a:spcBef>
-              <a:spcAft>
-                <a:spcPct val="0"/>
-              </a:spcAft>
-            </a:pPr>
-            <a:fld id="{EC73CE64-AA50-F145-A1B6-405D27E15A72}" type="slidenum">
-              <a:rPr lang="en-US" sz="1200"/>
-              <a:pPr eaLnBrk="1" fontAlgn="base" hangingPunct="1">
-                <a:spcBef>
-                  <a:spcPct val="0"/>
-                </a:spcBef>
-                <a:spcAft>
-                  <a:spcPct val="0"/>
-                </a:spcAft>
-              </a:pPr>
-              <a:t>5</a:t>
-            </a:fld>
-            <a:endParaRPr lang="en-US" sz="1200"/>
-          </a:p>
-        </p:txBody>
-      </p:sp>
-    </p:spTree>
-  </p:cSld>
-  <p:clrMapOvr>
-    <a:masterClrMapping/>
-  </p:clrMapOvr>
-</p:notes>
-</file>
-
-<file path=ppt/notesSlides/notesSlide2.xml><?xml version="1.0" encoding="utf-8"?>
-<p:notes xmlns:a="http://schemas.openxmlformats.org/drawingml/2006/main" xmlns:r="http://schemas.openxmlformats.org/officeDocument/2006/relationships" xmlns:p="http://schemas.openxmlformats.org/presentationml/2006/main">
-  <p:cSld>
-    <p:spTree>
-      <p:nvGrpSpPr>
-        <p:cNvPr id="1" name=""/>
-        <p:cNvGrpSpPr/>
-        <p:nvPr/>
-      </p:nvGrpSpPr>
-      <p:grpSpPr>
-        <a:xfrm>
-          <a:off x="0" y="0"/>
-          <a:ext cx="0" cy="0"/>
-          <a:chOff x="0" y="0"/>
-          <a:chExt cx="0" cy="0"/>
-        </a:xfrm>
-      </p:grpSpPr>
-      <p:sp>
-        <p:nvSpPr>
-          <p:cNvPr id="22529" name="Slide Image Placeholder 1"/>
-          <p:cNvSpPr>
-            <a:spLocks noGrp="1" noRot="1" noChangeAspect="1"/>
-          </p:cNvSpPr>
-          <p:nvPr>
-            <p:ph type="sldImg"/>
-          </p:nvPr>
-        </p:nvSpPr>
-        <p:spPr bwMode="auto">
-          <a:noFill/>
-          <a:ln>
-            <a:solidFill>
-              <a:srgbClr val="000000"/>
-            </a:solidFill>
-            <a:miter lim="800000"/>
-            <a:headEnd/>
-            <a:tailEnd/>
-          </a:ln>
-          <a:extLst>
-            <a:ext uri="{909E8E84-426E-40dd-AFC4-6F175D3DCCD1}">
-              <a14:hiddenFill xmlns:a14="http://schemas.microsoft.com/office/drawing/2010/main">
-                <a:solidFill>
-                  <a:srgbClr val="FFFFFF"/>
-                </a:solidFill>
-              </a14:hiddenFill>
-            </a:ext>
-            <a:ext uri="{FAA26D3D-D897-4be2-8F04-BA451C77F1D7}">
-              <ma14:placeholderFlag xmlns:ma14="http://schemas.microsoft.com/office/mac/drawingml/2011/main" val="1"/>
-            </a:ext>
-          </a:extLst>
-        </p:spPr>
-      </p:sp>
-      <p:sp>
-        <p:nvSpPr>
-          <p:cNvPr id="22530" name="Notes Placeholder 2"/>
-          <p:cNvSpPr>
-            <a:spLocks noGrp="1"/>
-          </p:cNvSpPr>
-          <p:nvPr>
-            <p:ph type="body" idx="1"/>
-          </p:nvPr>
-        </p:nvSpPr>
-        <p:spPr bwMode="auto">
-          <a:noFill/>
-          <a:extLst>
-            <a:ext uri="{909E8E84-426E-40dd-AFC4-6F175D3DCCD1}">
-              <a14:hiddenFill xmlns:a14="http://schemas.microsoft.com/office/drawing/2010/main">
-                <a:solidFill>
-                  <a:srgbClr val="FFFFFF"/>
-                </a:solidFill>
-              </a14:hiddenFill>
-            </a:ext>
-            <a:ext uri="{91240B29-F687-4f45-9708-019B960494DF}">
-              <a14:hiddenLine xmlns:a14="http://schemas.microsoft.com/office/drawing/2010/main" w="9525">
-                <a:solidFill>
-                  <a:srgbClr val="000000"/>
-                </a:solidFill>
-                <a:miter lim="800000"/>
-                <a:headEnd/>
-                <a:tailEnd/>
-              </a14:hiddenLine>
-            </a:ext>
-          </a:extLst>
-        </p:spPr>
-        <p:txBody>
-          <a:bodyPr wrap="square" numCol="1" anchor="t" anchorCtr="0" compatLnSpc="1">
-            <a:prstTxWarp prst="textNoShape">
-              <a:avLst/>
-            </a:prstTxWarp>
-          </a:bodyPr>
-          <a:lstStyle/>
-          <a:p>
-            <a:pPr eaLnBrk="1" hangingPunct="1">
-              <a:spcBef>
-                <a:spcPct val="0"/>
-              </a:spcBef>
-            </a:pPr>
-            <a:r>
-              <a:rPr lang="en-US">
-                <a:latin typeface="Calibri" charset="0"/>
-              </a:rPr>
-              <a:t>Source:  http://blog.programmableweb.com/2011/01/03/api-growth-doubles-in-2010-social-and-mobile-are-trends/      downloaded on 18, October 2011</a:t>
-            </a:r>
-          </a:p>
-          <a:p>
-            <a:pPr eaLnBrk="1" hangingPunct="1">
-              <a:spcBef>
-                <a:spcPct val="0"/>
-              </a:spcBef>
-            </a:pPr>
-            <a:endParaRPr lang="en-US">
-              <a:latin typeface="Calibri" charset="0"/>
-            </a:endParaRPr>
-          </a:p>
-          <a:p>
-            <a:pPr lvl="1" eaLnBrk="1" hangingPunct="1">
-              <a:spcBef>
-                <a:spcPct val="0"/>
-              </a:spcBef>
-            </a:pPr>
-            <a:endParaRPr lang="en-US">
-              <a:latin typeface="Calibri" charset="0"/>
-            </a:endParaRPr>
-          </a:p>
-          <a:p>
-            <a:pPr eaLnBrk="1" hangingPunct="1">
-              <a:spcBef>
-                <a:spcPct val="0"/>
-              </a:spcBef>
-            </a:pPr>
-            <a:r>
-              <a:rPr lang="en-US">
-                <a:latin typeface="Calibri" charset="0"/>
-              </a:rPr>
-              <a:t>The New Web (Web 2.0+) relies on creating an ‘architecture of participation’ across multiple web properties</a:t>
-            </a:r>
-          </a:p>
-          <a:p>
-            <a:pPr lvl="1" eaLnBrk="1" hangingPunct="1">
-              <a:spcBef>
-                <a:spcPct val="0"/>
-              </a:spcBef>
-            </a:pPr>
-            <a:r>
-              <a:rPr lang="en-US">
-                <a:latin typeface="Calibri" charset="0"/>
-              </a:rPr>
-              <a:t>LinkedIn, Twitter, eBay</a:t>
-            </a:r>
-          </a:p>
-          <a:p>
-            <a:pPr lvl="1" eaLnBrk="1" hangingPunct="1">
-              <a:spcBef>
-                <a:spcPct val="0"/>
-              </a:spcBef>
-            </a:pPr>
-            <a:r>
-              <a:rPr lang="en-US">
-                <a:latin typeface="Calibri" charset="0"/>
-              </a:rPr>
-              <a:t>Facebook, Twitter, </a:t>
-            </a:r>
-          </a:p>
-          <a:p>
-            <a:pPr lvl="1" eaLnBrk="1" hangingPunct="1">
-              <a:spcBef>
-                <a:spcPct val="0"/>
-              </a:spcBef>
-            </a:pPr>
-            <a:endParaRPr lang="en-US">
-              <a:latin typeface="Calibri" charset="0"/>
-            </a:endParaRPr>
-          </a:p>
-          <a:p>
-            <a:pPr eaLnBrk="1" hangingPunct="1">
-              <a:spcBef>
-                <a:spcPct val="0"/>
-              </a:spcBef>
-            </a:pPr>
-            <a:r>
-              <a:rPr lang="en-US">
-                <a:latin typeface="Calibri" charset="0"/>
-              </a:rPr>
-              <a:t> APIs are used to interconnect the site experiences and share information</a:t>
-            </a:r>
-          </a:p>
-          <a:p>
-            <a:pPr lvl="1" eaLnBrk="1" hangingPunct="1">
-              <a:spcBef>
-                <a:spcPct val="0"/>
-              </a:spcBef>
-            </a:pPr>
-            <a:r>
-              <a:rPr lang="en-US">
-                <a:latin typeface="Calibri" charset="0"/>
-              </a:rPr>
-              <a:t>RSS Feeds, service calls, </a:t>
-            </a:r>
-          </a:p>
-          <a:p>
-            <a:pPr lvl="1" eaLnBrk="1" hangingPunct="1">
-              <a:spcBef>
-                <a:spcPct val="0"/>
-              </a:spcBef>
-            </a:pPr>
-            <a:r>
-              <a:rPr lang="en-US">
-                <a:latin typeface="Calibri" charset="0"/>
-              </a:rPr>
-              <a:t>Oauth, SAML</a:t>
-            </a:r>
-          </a:p>
-          <a:p>
-            <a:pPr lvl="1" eaLnBrk="1" hangingPunct="1">
-              <a:spcBef>
-                <a:spcPct val="0"/>
-              </a:spcBef>
-            </a:pPr>
-            <a:r>
-              <a:rPr lang="en-US">
-                <a:latin typeface="Calibri" charset="0"/>
-              </a:rPr>
-              <a:t>Mashups</a:t>
-            </a:r>
-          </a:p>
-          <a:p>
-            <a:pPr lvl="1" eaLnBrk="1" hangingPunct="1">
-              <a:spcBef>
-                <a:spcPct val="0"/>
-              </a:spcBef>
-            </a:pPr>
-            <a:endParaRPr lang="en-US">
-              <a:latin typeface="Calibri" charset="0"/>
-            </a:endParaRPr>
-          </a:p>
-          <a:p>
-            <a:pPr eaLnBrk="1" hangingPunct="1">
-              <a:spcBef>
-                <a:spcPct val="0"/>
-              </a:spcBef>
-            </a:pPr>
-            <a:endParaRPr lang="en-US">
-              <a:latin typeface="Calibri" charset="0"/>
-            </a:endParaRPr>
-          </a:p>
-        </p:txBody>
-      </p:sp>
-      <p:sp>
-        <p:nvSpPr>
-          <p:cNvPr id="22531" name="Slide Number Placeholder 3"/>
-          <p:cNvSpPr>
-            <a:spLocks noGrp="1"/>
-          </p:cNvSpPr>
-          <p:nvPr>
-            <p:ph type="sldNum" sz="quarter" idx="5"/>
-          </p:nvPr>
-        </p:nvSpPr>
-        <p:spPr bwMode="auto">
-          <a:noFill/>
-          <a:extLst>
-            <a:ext uri="{909E8E84-426E-40dd-AFC4-6F175D3DCCD1}">
-              <a14:hiddenFill xmlns:a14="http://schemas.microsoft.com/office/drawing/2010/main">
-                <a:solidFill>
-                  <a:srgbClr val="FFFFFF"/>
-                </a:solidFill>
-              </a14:hiddenFill>
-            </a:ext>
-            <a:ext uri="{91240B29-F687-4f45-9708-019B960494DF}">
-              <a14:hiddenLine xmlns:a14="http://schemas.microsoft.com/office/drawing/2010/main" w="9525">
-                <a:solidFill>
-                  <a:srgbClr val="000000"/>
-                </a:solidFill>
-                <a:miter lim="800000"/>
-                <a:headEnd/>
-                <a:tailEnd/>
-              </a14:hiddenLine>
-            </a:ext>
-          </a:extLst>
-        </p:spPr>
-        <p:txBody>
-          <a:bodyPr wrap="square" numCol="1" anchorCtr="0" compatLnSpc="1">
-            <a:prstTxWarp prst="textNoShape">
-              <a:avLst/>
-            </a:prstTxWarp>
-          </a:bodyPr>
-          <a:lstStyle>
-            <a:lvl1pPr eaLnBrk="0" hangingPunct="0">
-              <a:defRPr sz="2400">
-                <a:solidFill>
-                  <a:schemeClr val="tx1"/>
-                </a:solidFill>
-                <a:latin typeface="Calibri" charset="0"/>
-                <a:ea typeface="ＭＳ Ｐゴシック" charset="0"/>
-                <a:cs typeface="ＭＳ Ｐゴシック" charset="0"/>
-              </a:defRPr>
-            </a:lvl1pPr>
-            <a:lvl2pPr marL="742883" indent="-285724" eaLnBrk="0" hangingPunct="0">
-              <a:defRPr sz="2400">
-                <a:solidFill>
-                  <a:schemeClr val="tx1"/>
-                </a:solidFill>
-                <a:latin typeface="Calibri" charset="0"/>
-                <a:ea typeface="ＭＳ Ｐゴシック" charset="0"/>
-              </a:defRPr>
-            </a:lvl2pPr>
-            <a:lvl3pPr marL="1142898" indent="-228580" eaLnBrk="0" hangingPunct="0">
-              <a:defRPr sz="2400">
-                <a:solidFill>
-                  <a:schemeClr val="tx1"/>
-                </a:solidFill>
-                <a:latin typeface="Calibri" charset="0"/>
-                <a:ea typeface="ＭＳ Ｐゴシック" charset="0"/>
-              </a:defRPr>
-            </a:lvl3pPr>
-            <a:lvl4pPr marL="1600057" indent="-228580" eaLnBrk="0" hangingPunct="0">
-              <a:defRPr sz="2400">
-                <a:solidFill>
-                  <a:schemeClr val="tx1"/>
-                </a:solidFill>
-                <a:latin typeface="Calibri" charset="0"/>
-                <a:ea typeface="ＭＳ Ｐゴシック" charset="0"/>
-              </a:defRPr>
-            </a:lvl4pPr>
-            <a:lvl5pPr marL="2057217" indent="-228580" eaLnBrk="0" hangingPunct="0">
-              <a:defRPr sz="2400">
-                <a:solidFill>
-                  <a:schemeClr val="tx1"/>
-                </a:solidFill>
-                <a:latin typeface="Calibri" charset="0"/>
-                <a:ea typeface="ＭＳ Ｐゴシック" charset="0"/>
-              </a:defRPr>
-            </a:lvl5pPr>
-            <a:lvl6pPr marL="2514376" indent="-228580" eaLnBrk="0" fontAlgn="base" hangingPunct="0">
-              <a:spcBef>
-                <a:spcPct val="0"/>
-              </a:spcBef>
-              <a:spcAft>
-                <a:spcPct val="0"/>
-              </a:spcAft>
-              <a:defRPr sz="2400">
-                <a:solidFill>
-                  <a:schemeClr val="tx1"/>
-                </a:solidFill>
-                <a:latin typeface="Calibri" charset="0"/>
-                <a:ea typeface="ＭＳ Ｐゴシック" charset="0"/>
-              </a:defRPr>
-            </a:lvl6pPr>
-            <a:lvl7pPr marL="2971535" indent="-228580" eaLnBrk="0" fontAlgn="base" hangingPunct="0">
-              <a:spcBef>
-                <a:spcPct val="0"/>
-              </a:spcBef>
-              <a:spcAft>
-                <a:spcPct val="0"/>
-              </a:spcAft>
-              <a:defRPr sz="2400">
-                <a:solidFill>
-                  <a:schemeClr val="tx1"/>
-                </a:solidFill>
-                <a:latin typeface="Calibri" charset="0"/>
-                <a:ea typeface="ＭＳ Ｐゴシック" charset="0"/>
-              </a:defRPr>
-            </a:lvl7pPr>
-            <a:lvl8pPr marL="3428695" indent="-228580" eaLnBrk="0" fontAlgn="base" hangingPunct="0">
-              <a:spcBef>
-                <a:spcPct val="0"/>
-              </a:spcBef>
-              <a:spcAft>
-                <a:spcPct val="0"/>
-              </a:spcAft>
-              <a:defRPr sz="2400">
-                <a:solidFill>
-                  <a:schemeClr val="tx1"/>
-                </a:solidFill>
-                <a:latin typeface="Calibri" charset="0"/>
-                <a:ea typeface="ＭＳ Ｐゴシック" charset="0"/>
-              </a:defRPr>
-            </a:lvl8pPr>
-            <a:lvl9pPr marL="3885854" indent="-228580" eaLnBrk="0" fontAlgn="base" hangingPunct="0">
-              <a:spcBef>
-                <a:spcPct val="0"/>
-              </a:spcBef>
-              <a:spcAft>
-                <a:spcPct val="0"/>
-              </a:spcAft>
-              <a:defRPr sz="2400">
-                <a:solidFill>
-                  <a:schemeClr val="tx1"/>
-                </a:solidFill>
-                <a:latin typeface="Calibri" charset="0"/>
-                <a:ea typeface="ＭＳ Ｐゴシック" charset="0"/>
-              </a:defRPr>
-            </a:lvl9pPr>
-          </a:lstStyle>
-          <a:p>
-            <a:pPr eaLnBrk="1" fontAlgn="base" hangingPunct="1">
-              <a:spcBef>
-                <a:spcPct val="0"/>
-              </a:spcBef>
-              <a:spcAft>
-                <a:spcPct val="0"/>
-              </a:spcAft>
-            </a:pPr>
-            <a:fld id="{544C02D8-656F-D44E-9103-4DA1D6307212}" type="slidenum">
-              <a:rPr lang="en-US" sz="1200"/>
-              <a:pPr eaLnBrk="1" fontAlgn="base" hangingPunct="1">
-                <a:spcBef>
-                  <a:spcPct val="0"/>
-                </a:spcBef>
-                <a:spcAft>
-                  <a:spcPct val="0"/>
-                </a:spcAft>
-              </a:pPr>
-              <a:t>7</a:t>
-            </a:fld>
-            <a:endParaRPr lang="en-US" sz="1200"/>
-          </a:p>
-        </p:txBody>
-      </p:sp>
-    </p:spTree>
-  </p:cSld>
-  <p:clrMapOvr>
-    <a:masterClrMapping/>
-  </p:clrMapOvr>
-</p:notes>
 </file>
 
 <file path=ppt/slideLayouts/slideLayout1.xml><?xml version="1.0" encoding="utf-8"?>
@@ -1632,7 +778,7 @@
           <a:p>
             <a:fld id="{875CF0EB-321F-0749-B37A-89BBA859503C}" type="datetimeFigureOut">
               <a:rPr lang="en-US" smtClean="0"/>
-              <a:t>08/09/15</a:t>
+              <a:t>10/06/16</a:t>
             </a:fld>
             <a:endParaRPr lang="en-US"/>
           </a:p>
@@ -1836,7 +982,7 @@
           <a:p>
             <a:fld id="{875CF0EB-321F-0749-B37A-89BBA859503C}" type="datetimeFigureOut">
               <a:rPr lang="en-US" smtClean="0"/>
-              <a:t>08/09/15</a:t>
+              <a:t>10/06/16</a:t>
             </a:fld>
             <a:endParaRPr lang="en-US"/>
           </a:p>
@@ -2030,7 +1176,7 @@
           <a:p>
             <a:fld id="{875CF0EB-321F-0749-B37A-89BBA859503C}" type="datetimeFigureOut">
               <a:rPr lang="en-US" smtClean="0"/>
-              <a:t>08/09/15</a:t>
+              <a:t>10/06/16</a:t>
             </a:fld>
             <a:endParaRPr lang="en-US"/>
           </a:p>
@@ -2300,7 +1446,7 @@
           <a:p>
             <a:fld id="{875CF0EB-321F-0749-B37A-89BBA859503C}" type="datetimeFigureOut">
               <a:rPr lang="en-US" smtClean="0"/>
-              <a:t>08/09/15</a:t>
+              <a:t>10/06/16</a:t>
             </a:fld>
             <a:endParaRPr lang="en-US"/>
           </a:p>
@@ -2612,7 +1758,7 @@
           <a:p>
             <a:fld id="{875CF0EB-321F-0749-B37A-89BBA859503C}" type="datetimeFigureOut">
               <a:rPr lang="en-US" smtClean="0"/>
-              <a:t>08/09/15</a:t>
+              <a:t>10/06/16</a:t>
             </a:fld>
             <a:endParaRPr lang="en-US"/>
           </a:p>
@@ -3058,7 +2204,7 @@
           <a:p>
             <a:fld id="{875CF0EB-321F-0749-B37A-89BBA859503C}" type="datetimeFigureOut">
               <a:rPr lang="en-US" smtClean="0"/>
-              <a:t>08/09/15</a:t>
+              <a:t>10/06/16</a:t>
             </a:fld>
             <a:endParaRPr lang="en-US"/>
           </a:p>
@@ -3200,7 +2346,7 @@
           <a:p>
             <a:fld id="{875CF0EB-321F-0749-B37A-89BBA859503C}" type="datetimeFigureOut">
               <a:rPr lang="en-US" smtClean="0"/>
-              <a:t>08/09/15</a:t>
+              <a:t>10/06/16</a:t>
             </a:fld>
             <a:endParaRPr lang="en-US"/>
           </a:p>
@@ -3319,7 +2465,7 @@
           <a:p>
             <a:fld id="{875CF0EB-321F-0749-B37A-89BBA859503C}" type="datetimeFigureOut">
               <a:rPr lang="en-US" smtClean="0"/>
-              <a:t>08/09/15</a:t>
+              <a:t>10/06/16</a:t>
             </a:fld>
             <a:endParaRPr lang="en-US"/>
           </a:p>
@@ -3620,7 +2766,7 @@
           <a:p>
             <a:fld id="{875CF0EB-321F-0749-B37A-89BBA859503C}" type="datetimeFigureOut">
               <a:rPr lang="en-US" smtClean="0"/>
-              <a:t>08/09/15</a:t>
+              <a:t>10/06/16</a:t>
             </a:fld>
             <a:endParaRPr lang="en-US"/>
           </a:p>
@@ -3897,7 +3043,7 @@
           <a:p>
             <a:fld id="{875CF0EB-321F-0749-B37A-89BBA859503C}" type="datetimeFigureOut">
               <a:rPr lang="en-US" smtClean="0"/>
-              <a:t>08/09/15</a:t>
+              <a:t>10/06/16</a:t>
             </a:fld>
             <a:endParaRPr lang="en-US"/>
           </a:p>
@@ -4093,7 +3239,7 @@
       </p:sp>
       <p:sp>
         <p:nvSpPr>
-          <p:cNvPr id="21" name="TextBox 20"/>
+          <p:cNvPr id="6" name="TextBox 5"/>
           <p:cNvSpPr txBox="1">
             <a:spLocks noChangeArrowheads="1"/>
           </p:cNvSpPr>
@@ -4101,8 +3247,8 @@
         </p:nvSpPr>
         <p:spPr bwMode="auto">
           <a:xfrm>
-            <a:off x="1046163" y="6092834"/>
-            <a:ext cx="6595551" cy="707886"/>
+            <a:off x="1168930" y="6344711"/>
+            <a:ext cx="4942379" cy="415498"/>
           </a:xfrm>
           <a:prstGeom prst="rect">
             <a:avLst/>
@@ -4274,10 +3420,22 @@
               <a:defRPr/>
             </a:pPr>
             <a:r>
-              <a:rPr lang="en-US" sz="1000" dirty="0" smtClean="0">
-                <a:latin typeface="Calisto MT"/>
+              <a:rPr lang="en-US" sz="700" dirty="0" smtClean="0">
+                <a:latin typeface="Montserrat"/>
               </a:rPr>
-              <a:t>© Paul Fremantle 2012.  Portions © Jeremy Gibbons 2010, © WSO2 2005-2012 used with permission of the author(s).</a:t>
+              <a:t>© Paul Fremantle </a:t>
+            </a:r>
+            <a:r>
+              <a:rPr lang="en-US" sz="700" dirty="0" smtClean="0">
+                <a:latin typeface="Montserrat"/>
+              </a:rPr>
+              <a:t>2016 except where credited elsewhere. </a:t>
+            </a:r>
+            <a:r>
+              <a:rPr lang="en-US" sz="700" dirty="0" smtClean="0">
+                <a:latin typeface="Montserrat"/>
+              </a:rPr>
+              <a:t> This work is licensed under a Creative Commons</a:t>
             </a:r>
           </a:p>
           <a:p>
@@ -4285,110 +3443,84 @@
               <a:defRPr/>
             </a:pPr>
             <a:r>
-              <a:rPr lang="en-US" sz="1000" dirty="0" smtClean="0">
-                <a:latin typeface="Calisto MT"/>
+              <a:rPr lang="en-US" sz="700" dirty="0" smtClean="0">
+                <a:latin typeface="Montserrat"/>
               </a:rPr>
-              <a:t>Licensed under the Creative Commons 3.0 BY-SA (Attribution-</a:t>
-            </a:r>
-            <a:r>
-              <a:rPr lang="en-US" sz="1000" dirty="0" err="1" smtClean="0">
-                <a:latin typeface="Calisto MT"/>
+              <a:t> Attribution-</a:t>
+            </a:r>
+            <a:r>
+              <a:rPr lang="en-US" sz="700" dirty="0" err="1" smtClean="0">
+                <a:latin typeface="Montserrat"/>
               </a:rPr>
-              <a:t>Sharealike</a:t>
-            </a:r>
-            <a:r>
-              <a:rPr lang="en-US" sz="1000" dirty="0" smtClean="0">
-                <a:latin typeface="Calisto MT"/>
+              <a:t>NonCommercial</a:t>
+            </a:r>
+            <a:r>
+              <a:rPr lang="en-US" sz="700" dirty="0" smtClean="0">
+                <a:latin typeface="Montserrat"/>
               </a:rPr>
-              <a:t>) license.</a:t>
-            </a:r>
-          </a:p>
-          <a:p>
-            <a:pPr algn="l" eaLnBrk="1" hangingPunct="1">
-              <a:defRPr/>
-            </a:pPr>
-            <a:r>
-              <a:rPr lang="en-US" sz="1000" dirty="0" smtClean="0">
-                <a:latin typeface="Calisto MT"/>
+              <a:t>-</a:t>
+            </a:r>
+            <a:r>
+              <a:rPr lang="en-US" sz="700" dirty="0" err="1" smtClean="0">
+                <a:latin typeface="Montserrat"/>
               </a:rPr>
-              <a:t>See </a:t>
-            </a:r>
-            <a:r>
-              <a:rPr lang="en-US" sz="1000" dirty="0" smtClean="0">
-                <a:latin typeface="Calisto MT"/>
+              <a:t>ShareAlike</a:t>
+            </a:r>
+            <a:r>
+              <a:rPr lang="en-US" sz="700" dirty="0" smtClean="0">
+                <a:latin typeface="Montserrat"/>
+              </a:rPr>
+              <a:t> 4.0 International License</a:t>
+            </a:r>
+            <a:br>
+              <a:rPr lang="en-US" sz="700" dirty="0" smtClean="0">
+                <a:latin typeface="Montserrat"/>
+              </a:rPr>
+            </a:br>
+            <a:r>
+              <a:rPr lang="en-US" sz="700" dirty="0" smtClean="0">
+                <a:latin typeface="Montserrat"/>
+              </a:rPr>
+              <a:t>See  </a:t>
+            </a:r>
+            <a:r>
+              <a:rPr lang="en-US" sz="700" dirty="0" smtClean="0">
+                <a:latin typeface="Montserrat"/>
                 <a:hlinkClick r:id="rId13"/>
               </a:rPr>
-              <a:t>http://creativecommons.org/licenses/by-sa/3.0/</a:t>
-            </a:r>
-            <a:r>
-              <a:rPr lang="en-US" sz="1000" dirty="0" smtClean="0">
-                <a:latin typeface="Calisto MT"/>
+              <a:t>http://creativecommons.org/licenses/by-nc-sa/4.0/</a:t>
+            </a:r>
+            <a:r>
+              <a:rPr lang="en-US" sz="700" dirty="0" smtClean="0">
+                <a:latin typeface="Montserrat"/>
               </a:rPr>
               <a:t> </a:t>
             </a:r>
           </a:p>
-          <a:p>
-            <a:pPr algn="l" eaLnBrk="1" hangingPunct="1">
-              <a:defRPr/>
-            </a:pPr>
-            <a:endParaRPr lang="en-US" sz="1000" dirty="0" smtClean="0">
-              <a:latin typeface="Calisto MT"/>
-            </a:endParaRPr>
-          </a:p>
         </p:txBody>
       </p:sp>
       <p:pic>
         <p:nvPicPr>
-          <p:cNvPr id="24" name="Picture 23"/>
+          <p:cNvPr id="7" name="Picture 6"/>
           <p:cNvPicPr>
-            <a:picLocks noChangeAspect="1" noChangeArrowheads="1"/>
+            <a:picLocks noChangeAspect="1"/>
           </p:cNvPicPr>
           <p:nvPr userDrawn="1"/>
         </p:nvPicPr>
         <p:blipFill>
-          <a:blip r:embed="rId14">
-            <a:extLst>
-              <a:ext uri="{28A0092B-C50C-407E-A947-70E740481C1C}">
-                <a14:useLocalDpi xmlns:a14="http://schemas.microsoft.com/office/drawing/2010/main" val="0"/>
-              </a:ext>
-            </a:extLst>
-          </a:blip>
-          <a:srcRect/>
+          <a:blip r:embed="rId14"/>
           <a:stretch>
             <a:fillRect/>
           </a:stretch>
         </p:blipFill>
-        <p:spPr bwMode="auto">
-          <a:xfrm>
-            <a:off x="320764" y="6254746"/>
-            <a:ext cx="725399" cy="258097"/>
+        <p:spPr>
+          <a:xfrm>
+            <a:off x="375635" y="6428175"/>
+            <a:ext cx="792765" cy="279269"/>
           </a:xfrm>
           <a:prstGeom prst="rect">
             <a:avLst/>
           </a:prstGeom>
-          <a:noFill/>
-          <a:ln>
-            <a:noFill/>
-          </a:ln>
-          <a:extLst>
-            <a:ext uri="{909E8E84-426E-40dd-AFC4-6F175D3DCCD1}">
-              <a14:hiddenFill xmlns:a14="http://schemas.microsoft.com/office/drawing/2010/main">
-                <a:solidFill>
-                  <a:srgbClr val="FFFFFF"/>
-                </a:solidFill>
-              </a14:hiddenFill>
-            </a:ext>
-            <a:ext uri="{91240B29-F687-4f45-9708-019B960494DF}">
-              <a14:hiddenLine xmlns:a14="http://schemas.microsoft.com/office/drawing/2010/main" w="9525">
-                <a:solidFill>
-                  <a:srgbClr val="000000"/>
-                </a:solidFill>
-                <a:miter lim="800000"/>
-                <a:headEnd/>
-                <a:tailEnd/>
-              </a14:hiddenLine>
-            </a:ext>
-          </a:extLst>
         </p:spPr>
       </p:pic>
     </p:spTree>
@@ -4423,7 +3555,7 @@
           <a:solidFill>
             <a:schemeClr val="tx1"/>
           </a:solidFill>
-          <a:latin typeface="Calisto MT"/>
+          <a:latin typeface="Montserrat"/>
           <a:ea typeface="+mj-ea"/>
           <a:cs typeface="+mj-cs"/>
         </a:defRPr>
@@ -4440,7 +3572,7 @@
           <a:solidFill>
             <a:schemeClr val="tx1"/>
           </a:solidFill>
-          <a:latin typeface="Calisto MT"/>
+          <a:latin typeface="Montserrat"/>
           <a:ea typeface="+mn-ea"/>
           <a:cs typeface="+mn-cs"/>
         </a:defRPr>
@@ -4455,7 +3587,7 @@
           <a:solidFill>
             <a:schemeClr val="tx1"/>
           </a:solidFill>
-          <a:latin typeface="Calisto MT"/>
+          <a:latin typeface="Montserrat"/>
           <a:ea typeface="+mn-ea"/>
           <a:cs typeface="+mn-cs"/>
         </a:defRPr>
@@ -4470,7 +3602,7 @@
           <a:solidFill>
             <a:schemeClr val="tx1"/>
           </a:solidFill>
-          <a:latin typeface="Calisto MT"/>
+          <a:latin typeface="Montserrat"/>
           <a:ea typeface="+mn-ea"/>
           <a:cs typeface="+mn-cs"/>
         </a:defRPr>
@@ -4485,7 +3617,7 @@
           <a:solidFill>
             <a:schemeClr val="tx1"/>
           </a:solidFill>
-          <a:latin typeface="Calisto MT"/>
+          <a:latin typeface="Montserrat"/>
           <a:ea typeface="+mn-ea"/>
           <a:cs typeface="+mn-cs"/>
         </a:defRPr>
@@ -4500,7 +3632,7 @@
           <a:solidFill>
             <a:schemeClr val="tx1"/>
           </a:solidFill>
-          <a:latin typeface="Calisto MT"/>
+          <a:latin typeface="Montserrat"/>
           <a:ea typeface="+mn-ea"/>
           <a:cs typeface="+mn-cs"/>
         </a:defRPr>
@@ -4717,7 +3849,9 @@
         </p:nvSpPr>
         <p:spPr/>
         <p:txBody>
-          <a:bodyPr/>
+          <a:bodyPr>
+            <a:normAutofit fontScale="92500" lnSpcReduction="20000"/>
+          </a:bodyPr>
           <a:lstStyle/>
           <a:p>
             <a:r>
@@ -4739,11 +3873,11 @@
           </a:p>
           <a:p>
             <a:r>
-              <a:rPr lang="en-US" smtClean="0">
+              <a:rPr lang="en-US" dirty="0" smtClean="0">
                 <a:ea typeface="ヒラギノ角ゴ ProN W3" charset="0"/>
                 <a:cs typeface="ヒラギノ角ゴ ProN W3" charset="0"/>
               </a:rPr>
-              <a:t>Sep 2015</a:t>
+              <a:t>June 2016</a:t>
             </a:r>
             <a:endParaRPr lang="en-US" dirty="0">
               <a:ea typeface="ヒラギノ角ゴ ProN W3" charset="0"/>
@@ -4787,7 +3921,7 @@
       </p:grpSpPr>
       <p:sp>
         <p:nvSpPr>
-          <p:cNvPr id="6145" name="Rectangle 1"/>
+          <p:cNvPr id="7169" name="Rectangle 1"/>
           <p:cNvSpPr>
             <a:spLocks noGrp="1" noChangeArrowheads="1"/>
           </p:cNvSpPr>
@@ -4796,10 +3930,6 @@
           </p:nvPr>
         </p:nvSpPr>
         <p:spPr>
-          <a:xfrm>
-            <a:off x="321469" y="-71437"/>
-            <a:ext cx="5786438" cy="895201"/>
-          </a:xfrm>
           <a:ln/>
         </p:spPr>
         <p:txBody>
@@ -4808,271 +3938,69 @@
           <a:p>
             <a:r>
               <a:rPr lang="en-US"/>
-              <a:t>API Ecosystem Model</a:t>
-            </a:r>
-          </a:p>
-        </p:txBody>
-      </p:sp>
-      <p:sp>
-        <p:nvSpPr>
-          <p:cNvPr id="6146" name="Rectangle 2"/>
-          <p:cNvSpPr>
-            <a:spLocks noGrp="1" noChangeArrowheads="1"/>
-          </p:cNvSpPr>
-          <p:nvPr>
-            <p:ph type="body" idx="1"/>
-          </p:nvPr>
-        </p:nvSpPr>
-        <p:spPr>
-          <a:xfrm>
-            <a:off x="321469" y="1007939"/>
-            <a:ext cx="7625953" cy="5223867"/>
-          </a:xfrm>
-          <a:ln/>
-        </p:spPr>
-        <p:txBody>
-          <a:bodyPr/>
-          <a:lstStyle/>
-          <a:p>
-            <a:pPr marL="0" indent="0">
-              <a:spcBef>
-                <a:spcPct val="0"/>
-              </a:spcBef>
-            </a:pPr>
-            <a:r>
-              <a:rPr lang="en-US" sz="2000" b="1"/>
-              <a:t>From SOA lessons learned, best practices roles</a:t>
-            </a:r>
-            <a:r>
-              <a:rPr lang="en-US" sz="2000" b="1">
-                <a:ea typeface="ヒラギノ角ゴ ProN W6" charset="0"/>
-                <a:cs typeface="ヒラギノ角ゴ ProN W6" charset="0"/>
-              </a:rPr>
-              <a:t/>
-            </a:r>
-            <a:br>
-              <a:rPr lang="en-US" sz="2000" b="1">
-                <a:ea typeface="ヒラギノ角ゴ ProN W6" charset="0"/>
-                <a:cs typeface="ヒラギノ角ゴ ProN W6" charset="0"/>
-              </a:rPr>
-            </a:br>
-            <a:endParaRPr lang="en-US" sz="2000" b="1">
-              <a:ea typeface="ヒラギノ角ゴ ProN W6" charset="0"/>
-              <a:cs typeface="ヒラギノ角ゴ ProN W6" charset="0"/>
-            </a:endParaRPr>
-          </a:p>
-          <a:p>
-            <a:pPr marL="0" indent="0">
-              <a:buClr>
-                <a:srgbClr val="000000"/>
-              </a:buClr>
-              <a:buFont typeface="Arial" charset="0"/>
-              <a:buChar char="•"/>
-            </a:pPr>
-            <a:r>
-              <a:rPr lang="en-US" sz="1800" b="1"/>
-              <a:t>API Creator</a:t>
-            </a:r>
-            <a:endParaRPr lang="en-US" sz="1800" b="1">
-              <a:ea typeface="ヒラギノ角ゴ ProN W6" charset="0"/>
-              <a:cs typeface="ヒラギノ角ゴ ProN W6" charset="0"/>
-            </a:endParaRPr>
-          </a:p>
-          <a:p>
-            <a:pPr marL="459863" lvl="1" indent="-125011">
-              <a:spcBef>
-                <a:spcPts val="352"/>
-              </a:spcBef>
-              <a:buClr>
-                <a:srgbClr val="000000"/>
-              </a:buClr>
-              <a:buFont typeface="Arial" charset="0"/>
-              <a:buChar char="•"/>
-            </a:pPr>
-            <a:r>
-              <a:rPr lang="en-US" sz="1700"/>
-              <a:t>Builds, manages, and versions API</a:t>
-            </a:r>
-          </a:p>
-          <a:p>
-            <a:pPr marL="459863" lvl="1" indent="-125011">
-              <a:spcBef>
-                <a:spcPts val="352"/>
-              </a:spcBef>
-              <a:buClr>
-                <a:srgbClr val="000000"/>
-              </a:buClr>
-              <a:buFont typeface="Arial" charset="0"/>
-              <a:buChar char="•"/>
-            </a:pPr>
-            <a:r>
-              <a:rPr lang="en-US" sz="1700"/>
-              <a:t>Understand business and technical requirements</a:t>
-            </a:r>
-          </a:p>
-          <a:p>
-            <a:pPr marL="459863" lvl="1" indent="-125011">
-              <a:spcBef>
-                <a:spcPts val="352"/>
-              </a:spcBef>
-              <a:buClr>
-                <a:srgbClr val="000000"/>
-              </a:buClr>
-              <a:buFont typeface="Arial" charset="0"/>
-              <a:buChar char="•"/>
-            </a:pPr>
-            <a:r>
-              <a:rPr lang="en-US" sz="1700"/>
-              <a:t>Cares about usage and scaling</a:t>
-            </a:r>
-          </a:p>
-          <a:p>
-            <a:pPr marL="459863" lvl="1" indent="-125011">
-              <a:spcBef>
-                <a:spcPts val="352"/>
-              </a:spcBef>
-              <a:buClr>
-                <a:srgbClr val="000000"/>
-              </a:buClr>
-              <a:buFont typeface="Arial" charset="0"/>
-              <a:buChar char="•"/>
-            </a:pPr>
-            <a:r>
-              <a:rPr lang="en-US" sz="1700"/>
-              <a:t>Seeks feedback, ratings, usage</a:t>
-            </a:r>
-          </a:p>
-          <a:p>
-            <a:pPr marL="0" indent="0">
-              <a:buClr>
-                <a:srgbClr val="000000"/>
-              </a:buClr>
-              <a:buFont typeface="Arial" charset="0"/>
-              <a:buChar char="•"/>
-            </a:pPr>
-            <a:r>
-              <a:rPr lang="en-US" sz="1800" b="1"/>
-              <a:t>API Publisher</a:t>
-            </a:r>
-            <a:endParaRPr lang="en-US" sz="1800" b="1">
-              <a:ea typeface="ヒラギノ角ゴ ProN W6" charset="0"/>
-              <a:cs typeface="ヒラギノ角ゴ ProN W6" charset="0"/>
-            </a:endParaRPr>
-          </a:p>
-          <a:p>
-            <a:pPr marL="459863" lvl="1" indent="-125011">
-              <a:buClr>
-                <a:srgbClr val="000000"/>
-              </a:buClr>
-              <a:buFont typeface="Arial" charset="0"/>
-              <a:buChar char="•"/>
-            </a:pPr>
-            <a:r>
-              <a:rPr lang="en-US" sz="1700"/>
-              <a:t>Publishes, Promotes and encourages consumers to adopt APIs</a:t>
-            </a:r>
-          </a:p>
-          <a:p>
-            <a:pPr marL="459863" lvl="1" indent="-125011">
-              <a:buClr>
-                <a:srgbClr val="000000"/>
-              </a:buClr>
-              <a:buFont typeface="Arial" charset="0"/>
-              <a:buChar char="•"/>
-            </a:pPr>
-            <a:r>
-              <a:rPr lang="en-US" sz="1700"/>
-              <a:t>Determines usage patterns and how to best monetize asset</a:t>
-            </a:r>
-          </a:p>
-          <a:p>
-            <a:pPr marL="459863" lvl="1" indent="-125011">
-              <a:buClr>
-                <a:srgbClr val="000000"/>
-              </a:buClr>
-              <a:buFont typeface="Arial" charset="0"/>
-              <a:buChar char="•"/>
-            </a:pPr>
-            <a:r>
-              <a:rPr lang="en-US" sz="1700"/>
-              <a:t>Monitors and secures</a:t>
-            </a:r>
-          </a:p>
-          <a:p>
-            <a:pPr marL="0" indent="0">
-              <a:buClr>
-                <a:srgbClr val="000000"/>
-              </a:buClr>
-              <a:buFont typeface="Arial" charset="0"/>
-              <a:buChar char="•"/>
-            </a:pPr>
-            <a:r>
-              <a:rPr lang="en-US" sz="1800" b="1"/>
-              <a:t>API Consumer</a:t>
-            </a:r>
-            <a:endParaRPr lang="en-US" sz="1800" b="1">
-              <a:ea typeface="ヒラギノ角ゴ ProN W6" charset="0"/>
-              <a:cs typeface="ヒラギノ角ゴ ProN W6" charset="0"/>
-            </a:endParaRPr>
-          </a:p>
-          <a:p>
-            <a:pPr marL="459863" lvl="1" indent="-125011">
-              <a:buClr>
-                <a:srgbClr val="000000"/>
-              </a:buClr>
-              <a:buFont typeface="Arial" charset="0"/>
-              <a:buChar char="•"/>
-            </a:pPr>
-            <a:r>
-              <a:rPr lang="en-US" sz="1700"/>
-              <a:t>Understands the interface definition </a:t>
-            </a:r>
-          </a:p>
-          <a:p>
-            <a:pPr marL="459863" lvl="1" indent="-125011">
-              <a:buClr>
-                <a:srgbClr val="000000"/>
-              </a:buClr>
-              <a:buFont typeface="Arial" charset="0"/>
-              <a:buChar char="•"/>
-            </a:pPr>
-            <a:r>
-              <a:rPr lang="en-US" sz="1700"/>
-              <a:t>Subscribes and connects application to API</a:t>
-            </a:r>
-          </a:p>
-          <a:p>
-            <a:pPr marL="459863" lvl="1" indent="-125011">
-              <a:buClr>
-                <a:srgbClr val="000000"/>
-              </a:buClr>
-              <a:buFont typeface="Arial" charset="0"/>
-              <a:buChar char="•"/>
-            </a:pPr>
-            <a:r>
-              <a:rPr lang="en-US" sz="1700"/>
-              <a:t>Monitors own usage and cost basis</a:t>
-            </a:r>
-          </a:p>
-          <a:p>
-            <a:pPr marL="459863" lvl="1" indent="-125011">
-              <a:buClr>
-                <a:srgbClr val="000000"/>
-              </a:buClr>
-              <a:buFont typeface="Arial" charset="0"/>
-              <a:buChar char="•"/>
-            </a:pPr>
-            <a:r>
-              <a:rPr lang="en-US" sz="1700"/>
-              <a:t>Provides feedback and ratings</a:t>
-            </a:r>
-          </a:p>
-        </p:txBody>
-      </p:sp>
+              <a:t>API Manager Components</a:t>
+            </a:r>
+          </a:p>
+        </p:txBody>
+      </p:sp>
+      <p:pic>
+        <p:nvPicPr>
+          <p:cNvPr id="7170" name="Picture 2"/>
+          <p:cNvPicPr>
+            <a:picLocks noChangeAspect="1" noChangeArrowheads="1"/>
+          </p:cNvPicPr>
+          <p:nvPr/>
+        </p:nvPicPr>
+        <p:blipFill>
+          <a:blip r:embed="rId2">
+            <a:extLst>
+              <a:ext uri="{28A0092B-C50C-407E-A947-70E740481C1C}">
+                <a14:useLocalDpi xmlns:a14="http://schemas.microsoft.com/office/drawing/2010/main" val="0"/>
+              </a:ext>
+            </a:extLst>
+          </a:blip>
+          <a:srcRect/>
+          <a:stretch>
+            <a:fillRect/>
+          </a:stretch>
+        </p:blipFill>
+        <p:spPr bwMode="auto">
+          <a:xfrm>
+            <a:off x="591592" y="1330523"/>
+            <a:ext cx="7768828" cy="4889004"/>
+          </a:xfrm>
+          <a:prstGeom prst="rect">
+            <a:avLst/>
+          </a:prstGeom>
+          <a:noFill/>
+          <a:ln>
+            <a:noFill/>
+          </a:ln>
+          <a:extLst>
+            <a:ext uri="{909E8E84-426E-40dd-AFC4-6F175D3DCCD1}">
+              <a14:hiddenFill xmlns:a14="http://schemas.microsoft.com/office/drawing/2010/main">
+                <a:solidFill>
+                  <a:srgbClr val="FFFFFF"/>
+                </a:solidFill>
+              </a14:hiddenFill>
+            </a:ext>
+            <a:ext uri="{91240B29-F687-4f45-9708-019B960494DF}">
+              <a14:hiddenLine xmlns:a14="http://schemas.microsoft.com/office/drawing/2010/main" w="25400" cap="flat">
+                <a:solidFill>
+                  <a:schemeClr val="tx1"/>
+                </a:solidFill>
+                <a:round/>
+                <a:headEnd/>
+                <a:tailEnd/>
+              </a14:hiddenLine>
+            </a:ext>
+          </a:extLst>
+        </p:spPr>
+      </p:pic>
     </p:spTree>
     <p:extLst>
       <p:ext uri="{BB962C8B-B14F-4D97-AF65-F5344CB8AC3E}">
-        <p14:creationId xmlns:p14="http://schemas.microsoft.com/office/powerpoint/2010/main" val="2195036050"/>
+        <p14:creationId xmlns:p14="http://schemas.microsoft.com/office/powerpoint/2010/main" val="1398328523"/>
       </p:ext>
     </p:extLst>
   </p:cSld>
@@ -5109,7 +4037,7 @@
       </p:grpSpPr>
       <p:sp>
         <p:nvSpPr>
-          <p:cNvPr id="7169" name="Rectangle 1"/>
+          <p:cNvPr id="10241" name="Rectangle 1"/>
           <p:cNvSpPr>
             <a:spLocks noGrp="1" noChangeArrowheads="1"/>
           </p:cNvSpPr>
@@ -5126,69 +4054,189 @@
           <a:p>
             <a:r>
               <a:rPr lang="en-US"/>
-              <a:t>API Manager Components</a:t>
-            </a:r>
-          </a:p>
-        </p:txBody>
-      </p:sp>
-      <p:pic>
-        <p:nvPicPr>
-          <p:cNvPr id="7170" name="Picture 2"/>
-          <p:cNvPicPr>
-            <a:picLocks noChangeAspect="1" noChangeArrowheads="1"/>
-          </p:cNvPicPr>
-          <p:nvPr/>
-        </p:nvPicPr>
-        <p:blipFill>
-          <a:blip r:embed="rId2">
-            <a:extLst>
-              <a:ext uri="{28A0092B-C50C-407E-A947-70E740481C1C}">
-                <a14:useLocalDpi xmlns:a14="http://schemas.microsoft.com/office/drawing/2010/main" val="0"/>
-              </a:ext>
-            </a:extLst>
-          </a:blip>
-          <a:srcRect/>
-          <a:stretch>
-            <a:fillRect/>
-          </a:stretch>
-        </p:blipFill>
-        <p:spPr bwMode="auto">
-          <a:xfrm>
-            <a:off x="591592" y="1330523"/>
-            <a:ext cx="7768828" cy="4889004"/>
-          </a:xfrm>
-          <a:prstGeom prst="rect">
-            <a:avLst/>
-          </a:prstGeom>
-          <a:noFill/>
-          <a:ln>
-            <a:noFill/>
-          </a:ln>
-          <a:extLst>
-            <a:ext uri="{909E8E84-426E-40dd-AFC4-6F175D3DCCD1}">
-              <a14:hiddenFill xmlns:a14="http://schemas.microsoft.com/office/drawing/2010/main">
-                <a:solidFill>
-                  <a:srgbClr val="FFFFFF"/>
-                </a:solidFill>
-              </a14:hiddenFill>
-            </a:ext>
-            <a:ext uri="{91240B29-F687-4f45-9708-019B960494DF}">
-              <a14:hiddenLine xmlns:a14="http://schemas.microsoft.com/office/drawing/2010/main" w="25400" cap="flat">
-                <a:solidFill>
-                  <a:schemeClr val="tx1"/>
-                </a:solidFill>
-                <a:round/>
-                <a:headEnd/>
-                <a:tailEnd/>
-              </a14:hiddenLine>
-            </a:ext>
-          </a:extLst>
-        </p:spPr>
-      </p:pic>
+              <a:t>Understanding the Flow</a:t>
+            </a:r>
+          </a:p>
+        </p:txBody>
+      </p:sp>
+      <p:sp>
+        <p:nvSpPr>
+          <p:cNvPr id="10242" name="Rectangle 2"/>
+          <p:cNvSpPr>
+            <a:spLocks noGrp="1" noChangeArrowheads="1"/>
+          </p:cNvSpPr>
+          <p:nvPr>
+            <p:ph type="body" idx="1"/>
+          </p:nvPr>
+        </p:nvSpPr>
+        <p:spPr>
+          <a:ln/>
+        </p:spPr>
+        <p:txBody>
+          <a:bodyPr>
+            <a:normAutofit fontScale="92500" lnSpcReduction="10000"/>
+          </a:bodyPr>
+          <a:lstStyle/>
+          <a:p>
+            <a:pPr>
+              <a:spcBef>
+                <a:spcPct val="0"/>
+              </a:spcBef>
+            </a:pPr>
+            <a:r>
+              <a:rPr lang="en-US" sz="2100"/>
+              <a:t>API Creator adds API into API Manager</a:t>
+            </a:r>
+          </a:p>
+          <a:p>
+            <a:pPr marL="558086" lvl="1">
+              <a:spcBef>
+                <a:spcPts val="343"/>
+              </a:spcBef>
+            </a:pPr>
+            <a:r>
+              <a:rPr lang="en-US" sz="1800"/>
+              <a:t>[Optionally provides Sandbox endpoint]</a:t>
+            </a:r>
+          </a:p>
+          <a:p>
+            <a:pPr>
+              <a:spcBef>
+                <a:spcPts val="439"/>
+              </a:spcBef>
+            </a:pPr>
+            <a:r>
+              <a:rPr lang="en-US" sz="2100"/>
+              <a:t>API Publisher approves publish</a:t>
+            </a:r>
+          </a:p>
+          <a:p>
+            <a:pPr>
+              <a:spcBef>
+                <a:spcPts val="439"/>
+              </a:spcBef>
+            </a:pPr>
+            <a:r>
+              <a:rPr lang="en-US" sz="2100"/>
+              <a:t>API Consumer finds API</a:t>
+            </a:r>
+          </a:p>
+          <a:p>
+            <a:pPr>
+              <a:spcBef>
+                <a:spcPts val="439"/>
+              </a:spcBef>
+            </a:pPr>
+            <a:r>
+              <a:rPr lang="en-US" sz="2100"/>
+              <a:t>API Consumer subscribes to API and obtains a key</a:t>
+            </a:r>
+          </a:p>
+          <a:p>
+            <a:pPr marL="558086" lvl="1">
+              <a:spcBef>
+                <a:spcPts val="343"/>
+              </a:spcBef>
+            </a:pPr>
+            <a:r>
+              <a:rPr lang="en-US" sz="1800"/>
+              <a:t>[Optional an approval process is started]</a:t>
+            </a:r>
+          </a:p>
+          <a:p>
+            <a:pPr>
+              <a:spcBef>
+                <a:spcPts val="439"/>
+              </a:spcBef>
+            </a:pPr>
+            <a:r>
+              <a:rPr lang="en-US" sz="2100"/>
+              <a:t>OAuth2-based Key issued</a:t>
+            </a:r>
+          </a:p>
+          <a:p>
+            <a:pPr marL="558086" lvl="1">
+              <a:spcBef>
+                <a:spcPts val="343"/>
+              </a:spcBef>
+            </a:pPr>
+            <a:r>
+              <a:rPr lang="en-US" sz="1800"/>
+              <a:t>[Optionally issue both production and sandbox keys]</a:t>
+            </a:r>
+          </a:p>
+          <a:p>
+            <a:pPr>
+              <a:spcBef>
+                <a:spcPts val="439"/>
+              </a:spcBef>
+            </a:pPr>
+            <a:r>
+              <a:rPr lang="en-US" sz="2100"/>
+              <a:t>API Consumer application makes a call</a:t>
+            </a:r>
+          </a:p>
+          <a:p>
+            <a:pPr>
+              <a:spcBef>
+                <a:spcPts val="439"/>
+              </a:spcBef>
+            </a:pPr>
+            <a:r>
+              <a:rPr lang="en-US" sz="2100"/>
+              <a:t>API Key is validated</a:t>
+            </a:r>
+          </a:p>
+          <a:p>
+            <a:pPr>
+              <a:spcBef>
+                <a:spcPts val="439"/>
+              </a:spcBef>
+            </a:pPr>
+            <a:r>
+              <a:rPr lang="en-US" sz="2100"/>
+              <a:t>API Key metadata is used to identify:</a:t>
+            </a:r>
+          </a:p>
+          <a:p>
+            <a:pPr marL="558086" lvl="1">
+              <a:spcBef>
+                <a:spcPts val="343"/>
+              </a:spcBef>
+            </a:pPr>
+            <a:r>
+              <a:rPr lang="en-US" sz="1800"/>
+              <a:t>Throttling / Rate limiting policy</a:t>
+            </a:r>
+          </a:p>
+          <a:p>
+            <a:pPr marL="558086" lvl="1">
+              <a:spcBef>
+                <a:spcPts val="343"/>
+              </a:spcBef>
+            </a:pPr>
+            <a:r>
+              <a:rPr lang="en-US" sz="1800"/>
+              <a:t>Sandbox / Production endpoint</a:t>
+            </a:r>
+          </a:p>
+          <a:p>
+            <a:pPr marL="558086" lvl="1">
+              <a:spcBef>
+                <a:spcPts val="343"/>
+              </a:spcBef>
+            </a:pPr>
+            <a:r>
+              <a:rPr lang="en-US" sz="1800"/>
+              <a:t>Event is metered/monitored against the API, Key, IP address, etc</a:t>
+            </a:r>
+          </a:p>
+        </p:txBody>
+      </p:sp>
     </p:spTree>
     <p:extLst>
       <p:ext uri="{BB962C8B-B14F-4D97-AF65-F5344CB8AC3E}">
-        <p14:creationId xmlns:p14="http://schemas.microsoft.com/office/powerpoint/2010/main" val="1398328523"/>
+        <p14:creationId xmlns:p14="http://schemas.microsoft.com/office/powerpoint/2010/main" val="1538908941"/>
       </p:ext>
     </p:extLst>
   </p:cSld>
@@ -5225,242 +4273,6 @@
       </p:grpSpPr>
       <p:sp>
         <p:nvSpPr>
-          <p:cNvPr id="10241" name="Rectangle 1"/>
-          <p:cNvSpPr>
-            <a:spLocks noGrp="1" noChangeArrowheads="1"/>
-          </p:cNvSpPr>
-          <p:nvPr>
-            <p:ph type="title"/>
-          </p:nvPr>
-        </p:nvSpPr>
-        <p:spPr>
-          <a:ln/>
-        </p:spPr>
-        <p:txBody>
-          <a:bodyPr/>
-          <a:lstStyle/>
-          <a:p>
-            <a:r>
-              <a:rPr lang="en-US"/>
-              <a:t>Understanding the Flow</a:t>
-            </a:r>
-          </a:p>
-        </p:txBody>
-      </p:sp>
-      <p:sp>
-        <p:nvSpPr>
-          <p:cNvPr id="10242" name="Rectangle 2"/>
-          <p:cNvSpPr>
-            <a:spLocks noGrp="1" noChangeArrowheads="1"/>
-          </p:cNvSpPr>
-          <p:nvPr>
-            <p:ph type="body" idx="1"/>
-          </p:nvPr>
-        </p:nvSpPr>
-        <p:spPr>
-          <a:ln/>
-        </p:spPr>
-        <p:txBody>
-          <a:bodyPr>
-            <a:normAutofit fontScale="92500" lnSpcReduction="10000"/>
-          </a:bodyPr>
-          <a:lstStyle/>
-          <a:p>
-            <a:pPr>
-              <a:spcBef>
-                <a:spcPct val="0"/>
-              </a:spcBef>
-            </a:pPr>
-            <a:r>
-              <a:rPr lang="en-US" sz="2100"/>
-              <a:t>API Creator adds API into API Manager</a:t>
-            </a:r>
-          </a:p>
-          <a:p>
-            <a:pPr marL="558086" lvl="1">
-              <a:spcBef>
-                <a:spcPts val="343"/>
-              </a:spcBef>
-            </a:pPr>
-            <a:r>
-              <a:rPr lang="en-US" sz="1800"/>
-              <a:t>[Optionally provides Sandbox endpoint]</a:t>
-            </a:r>
-          </a:p>
-          <a:p>
-            <a:pPr>
-              <a:spcBef>
-                <a:spcPts val="439"/>
-              </a:spcBef>
-            </a:pPr>
-            <a:r>
-              <a:rPr lang="en-US" sz="2100"/>
-              <a:t>API Publisher approves publish</a:t>
-            </a:r>
-          </a:p>
-          <a:p>
-            <a:pPr>
-              <a:spcBef>
-                <a:spcPts val="439"/>
-              </a:spcBef>
-            </a:pPr>
-            <a:r>
-              <a:rPr lang="en-US" sz="2100"/>
-              <a:t>API Consumer finds API</a:t>
-            </a:r>
-          </a:p>
-          <a:p>
-            <a:pPr>
-              <a:spcBef>
-                <a:spcPts val="439"/>
-              </a:spcBef>
-            </a:pPr>
-            <a:r>
-              <a:rPr lang="en-US" sz="2100"/>
-              <a:t>API Consumer subscribes to API and obtains a key</a:t>
-            </a:r>
-          </a:p>
-          <a:p>
-            <a:pPr marL="558086" lvl="1">
-              <a:spcBef>
-                <a:spcPts val="343"/>
-              </a:spcBef>
-            </a:pPr>
-            <a:r>
-              <a:rPr lang="en-US" sz="1800"/>
-              <a:t>[Optional an approval process is started]</a:t>
-            </a:r>
-          </a:p>
-          <a:p>
-            <a:pPr>
-              <a:spcBef>
-                <a:spcPts val="439"/>
-              </a:spcBef>
-            </a:pPr>
-            <a:r>
-              <a:rPr lang="en-US" sz="2100"/>
-              <a:t>OAuth2-based Key issued</a:t>
-            </a:r>
-          </a:p>
-          <a:p>
-            <a:pPr marL="558086" lvl="1">
-              <a:spcBef>
-                <a:spcPts val="343"/>
-              </a:spcBef>
-            </a:pPr>
-            <a:r>
-              <a:rPr lang="en-US" sz="1800"/>
-              <a:t>[Optionally issue both production and sandbox keys]</a:t>
-            </a:r>
-          </a:p>
-          <a:p>
-            <a:pPr>
-              <a:spcBef>
-                <a:spcPts val="439"/>
-              </a:spcBef>
-            </a:pPr>
-            <a:r>
-              <a:rPr lang="en-US" sz="2100"/>
-              <a:t>API Consumer application makes a call</a:t>
-            </a:r>
-          </a:p>
-          <a:p>
-            <a:pPr>
-              <a:spcBef>
-                <a:spcPts val="439"/>
-              </a:spcBef>
-            </a:pPr>
-            <a:r>
-              <a:rPr lang="en-US" sz="2100"/>
-              <a:t>API Key is validated</a:t>
-            </a:r>
-          </a:p>
-          <a:p>
-            <a:pPr>
-              <a:spcBef>
-                <a:spcPts val="439"/>
-              </a:spcBef>
-            </a:pPr>
-            <a:r>
-              <a:rPr lang="en-US" sz="2100"/>
-              <a:t>API Key metadata is used to identify:</a:t>
-            </a:r>
-          </a:p>
-          <a:p>
-            <a:pPr marL="558086" lvl="1">
-              <a:spcBef>
-                <a:spcPts val="343"/>
-              </a:spcBef>
-            </a:pPr>
-            <a:r>
-              <a:rPr lang="en-US" sz="1800"/>
-              <a:t>Throttling / Rate limiting policy</a:t>
-            </a:r>
-          </a:p>
-          <a:p>
-            <a:pPr marL="558086" lvl="1">
-              <a:spcBef>
-                <a:spcPts val="343"/>
-              </a:spcBef>
-            </a:pPr>
-            <a:r>
-              <a:rPr lang="en-US" sz="1800"/>
-              <a:t>Sandbox / Production endpoint</a:t>
-            </a:r>
-          </a:p>
-          <a:p>
-            <a:pPr marL="558086" lvl="1">
-              <a:spcBef>
-                <a:spcPts val="343"/>
-              </a:spcBef>
-            </a:pPr>
-            <a:r>
-              <a:rPr lang="en-US" sz="1800"/>
-              <a:t>Event is metered/monitored against the API, Key, IP address, etc</a:t>
-            </a:r>
-          </a:p>
-        </p:txBody>
-      </p:sp>
-    </p:spTree>
-    <p:extLst>
-      <p:ext uri="{BB962C8B-B14F-4D97-AF65-F5344CB8AC3E}">
-        <p14:creationId xmlns:p14="http://schemas.microsoft.com/office/powerpoint/2010/main" val="1538908941"/>
-      </p:ext>
-    </p:extLst>
-  </p:cSld>
-  <p:clrMapOvr>
-    <a:masterClrMapping/>
-  </p:clrMapOvr>
-  <mc:AlternateContent xmlns:mc="http://schemas.openxmlformats.org/markup-compatibility/2006" xmlns:p14="http://schemas.microsoft.com/office/powerpoint/2010/main">
-    <mc:Choice Requires="p14">
-      <p:transition spd="slow" p14:dur="2000"/>
-    </mc:Choice>
-    <mc:Fallback xmlns="">
-      <p:transition xmlns:p14="http://schemas.microsoft.com/office/powerpoint/2010/main" spd="slow"/>
-    </mc:Fallback>
-  </mc:AlternateContent>
-</p:sld>
-</file>
-
-<file path=ppt/slides/slide13.xml><?xml version="1.0" encoding="utf-8"?>
-<p:sld xmlns:a="http://schemas.openxmlformats.org/drawingml/2006/main" xmlns:r="http://schemas.openxmlformats.org/officeDocument/2006/relationships" xmlns:p="http://schemas.openxmlformats.org/presentationml/2006/main">
-  <p:cSld>
-    <p:spTree>
-      <p:nvGrpSpPr>
-        <p:cNvPr id="1" name=""/>
-        <p:cNvGrpSpPr/>
-        <p:nvPr/>
-      </p:nvGrpSpPr>
-      <p:grpSpPr>
-        <a:xfrm>
-          <a:off x="0" y="0"/>
-          <a:ext cx="0" cy="0"/>
-          <a:chOff x="0" y="0"/>
-          <a:chExt cx="0" cy="0"/>
-        </a:xfrm>
-      </p:grpSpPr>
-      <p:sp>
-        <p:nvSpPr>
           <p:cNvPr id="28673" name="Rectangle 1"/>
           <p:cNvSpPr>
             <a:spLocks noGrp="1" noChangeArrowheads="1"/>
@@ -5565,6 +4377,138 @@
       </p:par>
     </p:tnLst>
   </p:timing>
+</p:sld>
+</file>
+
+<file path=ppt/slides/slide13.xml><?xml version="1.0" encoding="utf-8"?>
+<p:sld xmlns:a="http://schemas.openxmlformats.org/drawingml/2006/main" xmlns:r="http://schemas.openxmlformats.org/officeDocument/2006/relationships" xmlns:p="http://schemas.openxmlformats.org/presentationml/2006/main">
+  <p:cSld>
+    <p:spTree>
+      <p:nvGrpSpPr>
+        <p:cNvPr id="1" name=""/>
+        <p:cNvGrpSpPr/>
+        <p:nvPr/>
+      </p:nvGrpSpPr>
+      <p:grpSpPr>
+        <a:xfrm>
+          <a:off x="0" y="0"/>
+          <a:ext cx="0" cy="0"/>
+          <a:chOff x="0" y="0"/>
+          <a:chExt cx="0" cy="0"/>
+        </a:xfrm>
+      </p:grpSpPr>
+      <p:sp>
+        <p:nvSpPr>
+          <p:cNvPr id="2" name="Title 1"/>
+          <p:cNvSpPr>
+            <a:spLocks noGrp="1"/>
+          </p:cNvSpPr>
+          <p:nvPr>
+            <p:ph type="title"/>
+          </p:nvPr>
+        </p:nvSpPr>
+        <p:spPr/>
+        <p:txBody>
+          <a:bodyPr/>
+          <a:lstStyle/>
+          <a:p>
+            <a:r>
+              <a:rPr lang="en-US" dirty="0" smtClean="0"/>
+              <a:t>API Management benefits</a:t>
+            </a:r>
+            <a:endParaRPr lang="en-US" dirty="0"/>
+          </a:p>
+        </p:txBody>
+      </p:sp>
+      <p:sp>
+        <p:nvSpPr>
+          <p:cNvPr id="3" name="Content Placeholder 2"/>
+          <p:cNvSpPr>
+            <a:spLocks noGrp="1"/>
+          </p:cNvSpPr>
+          <p:nvPr>
+            <p:ph idx="1"/>
+          </p:nvPr>
+        </p:nvSpPr>
+        <p:spPr/>
+        <p:txBody>
+          <a:bodyPr>
+            <a:normAutofit fontScale="92500" lnSpcReduction="10000"/>
+          </a:bodyPr>
+          <a:lstStyle/>
+          <a:p>
+            <a:r>
+              <a:rPr lang="en-US" dirty="0" smtClean="0"/>
+              <a:t>Aggregation and virtualisation</a:t>
+            </a:r>
+          </a:p>
+          <a:p>
+            <a:r>
+              <a:rPr lang="en-US" dirty="0" smtClean="0"/>
+              <a:t>Versioning</a:t>
+            </a:r>
+          </a:p>
+          <a:p>
+            <a:r>
+              <a:rPr lang="en-US" dirty="0" smtClean="0"/>
+              <a:t>Documentation</a:t>
+            </a:r>
+          </a:p>
+          <a:p>
+            <a:r>
+              <a:rPr lang="en-US" dirty="0" smtClean="0"/>
+              <a:t>Key issuing and management </a:t>
+            </a:r>
+          </a:p>
+          <a:p>
+            <a:pPr lvl="1"/>
+            <a:r>
+              <a:rPr lang="en-US" dirty="0" smtClean="0"/>
+              <a:t>Transparent OAuth2 </a:t>
+            </a:r>
+          </a:p>
+          <a:p>
+            <a:r>
+              <a:rPr lang="en-US" dirty="0" smtClean="0"/>
+              <a:t>Workflows </a:t>
+            </a:r>
+          </a:p>
+          <a:p>
+            <a:pPr lvl="1"/>
+            <a:r>
+              <a:rPr lang="en-US" dirty="0"/>
+              <a:t>O</a:t>
+            </a:r>
+            <a:r>
+              <a:rPr lang="en-US" dirty="0" smtClean="0"/>
+              <a:t>n-boarding, subscription, approval</a:t>
+            </a:r>
+          </a:p>
+          <a:p>
+            <a:r>
+              <a:rPr lang="en-US" dirty="0" smtClean="0"/>
+              <a:t>Throttling and monetisation</a:t>
+            </a:r>
+          </a:p>
+          <a:p>
+            <a:r>
+              <a:rPr lang="en-US" dirty="0" smtClean="0"/>
+              <a:t>Analytics </a:t>
+            </a:r>
+            <a:endParaRPr lang="en-US" dirty="0"/>
+          </a:p>
+        </p:txBody>
+      </p:sp>
+    </p:spTree>
+    <p:extLst>
+      <p:ext uri="{BB962C8B-B14F-4D97-AF65-F5344CB8AC3E}">
+        <p14:creationId xmlns:p14="http://schemas.microsoft.com/office/powerpoint/2010/main" val="1174110540"/>
+      </p:ext>
+    </p:extLst>
+  </p:cSld>
+  <p:clrMapOvr>
+    <a:masterClrMapping/>
+  </p:clrMapOvr>
 </p:sld>
 </file>
 
@@ -5772,7 +4716,7 @@
         <p:spPr/>
         <p:txBody>
           <a:bodyPr>
-            <a:normAutofit/>
+            <a:normAutofit fontScale="90000"/>
           </a:bodyPr>
           <a:lstStyle/>
           <a:p>
@@ -6114,252 +5058,40 @@
           <a:chExt cx="0" cy="0"/>
         </a:xfrm>
       </p:grpSpPr>
-      <p:sp>
-        <p:nvSpPr>
-          <p:cNvPr id="19457" name="Title 1"/>
-          <p:cNvSpPr>
-            <a:spLocks noGrp="1"/>
-          </p:cNvSpPr>
-          <p:nvPr>
-            <p:ph type="title"/>
-          </p:nvPr>
-        </p:nvSpPr>
-        <p:spPr>
-          <a:xfrm>
-            <a:off x="522786" y="0"/>
-            <a:ext cx="8819644" cy="882420"/>
-          </a:xfrm>
-        </p:spPr>
-        <p:txBody>
-          <a:bodyPr>
-            <a:normAutofit/>
-          </a:bodyPr>
-          <a:lstStyle/>
-          <a:p>
-            <a:pPr eaLnBrk="1" hangingPunct="1"/>
-            <a:r>
-              <a:rPr lang="en-US" dirty="0"/>
-              <a:t>Don’t ignore API Proliferation</a:t>
-            </a:r>
-            <a:r>
-              <a:rPr lang="en-US" sz="4000" dirty="0"/>
-              <a:t> </a:t>
-            </a:r>
-          </a:p>
-        </p:txBody>
-      </p:sp>
       <p:pic>
         <p:nvPicPr>
-          <p:cNvPr id="19458" name="Content Placeholder 4" descr="programmableweb-4000-apis.jpg"/>
+          <p:cNvPr id="2" name="Picture 1"/>
           <p:cNvPicPr>
-            <a:picLocks noGrp="1" noChangeAspect="1"/>
+            <a:picLocks noChangeAspect="1"/>
           </p:cNvPicPr>
-          <p:nvPr>
-            <p:ph idx="1"/>
-          </p:nvPr>
+          <p:nvPr/>
         </p:nvPicPr>
         <p:blipFill>
-          <a:blip r:embed="rId3">
-            <a:extLst>
-              <a:ext uri="{28A0092B-C50C-407E-A947-70E740481C1C}">
-                <a14:useLocalDpi xmlns:a14="http://schemas.microsoft.com/office/drawing/2010/main" val="0"/>
-              </a:ext>
-            </a:extLst>
-          </a:blip>
-          <a:srcRect t="4973" b="4973"/>
+          <a:blip r:embed="rId2"/>
           <a:stretch>
             <a:fillRect/>
           </a:stretch>
         </p:blipFill>
         <p:spPr>
           <a:xfrm>
-            <a:off x="522786" y="882420"/>
-            <a:ext cx="8229600" cy="5043543"/>
-          </a:xfrm>
-        </p:spPr>
-      </p:pic>
-      <p:sp>
-        <p:nvSpPr>
-          <p:cNvPr id="19459" name="TextBox 3"/>
-          <p:cNvSpPr txBox="1">
-            <a:spLocks noChangeArrowheads="1"/>
-          </p:cNvSpPr>
-          <p:nvPr/>
-        </p:nvSpPr>
-        <p:spPr bwMode="auto">
-          <a:xfrm>
-            <a:off x="457200" y="6289675"/>
-            <a:ext cx="8229600" cy="584769"/>
+            <a:off x="0" y="0"/>
+            <a:ext cx="9144000" cy="6093143"/>
           </a:xfrm>
           <a:prstGeom prst="rect">
             <a:avLst/>
           </a:prstGeom>
-          <a:noFill/>
-          <a:ln>
-            <a:noFill/>
-          </a:ln>
-          <a:extLst>
-            <a:ext uri="{909E8E84-426E-40dd-AFC4-6F175D3DCCD1}">
-              <a14:hiddenFill xmlns:a14="http://schemas.microsoft.com/office/drawing/2010/main">
-                <a:solidFill>
-                  <a:srgbClr val="FFFFFF"/>
-                </a:solidFill>
-              </a14:hiddenFill>
-            </a:ext>
-            <a:ext uri="{91240B29-F687-4f45-9708-019B960494DF}">
-              <a14:hiddenLine xmlns:a14="http://schemas.microsoft.com/office/drawing/2010/main" w="9525">
-                <a:solidFill>
-                  <a:srgbClr val="000000"/>
-                </a:solidFill>
-                <a:miter lim="800000"/>
-                <a:headEnd/>
-                <a:tailEnd/>
-              </a14:hiddenLine>
-            </a:ext>
-          </a:extLst>
-        </p:spPr>
-        <p:txBody>
-          <a:bodyPr lIns="91432" tIns="45717" rIns="91432" bIns="45717">
-            <a:spAutoFit/>
-          </a:bodyPr>
-          <a:lstStyle>
-            <a:lvl1pPr eaLnBrk="0" hangingPunct="0">
-              <a:defRPr sz="2400">
-                <a:solidFill>
-                  <a:schemeClr val="tx1"/>
-                </a:solidFill>
-                <a:latin typeface="Calibri" charset="0"/>
-                <a:ea typeface="ＭＳ Ｐゴシック" charset="0"/>
-                <a:cs typeface="ＭＳ Ｐゴシック" charset="0"/>
-              </a:defRPr>
-            </a:lvl1pPr>
-            <a:lvl2pPr marL="742950" indent="-285750" eaLnBrk="0" hangingPunct="0">
-              <a:defRPr sz="2400">
-                <a:solidFill>
-                  <a:schemeClr val="tx1"/>
-                </a:solidFill>
-                <a:latin typeface="Calibri" charset="0"/>
-                <a:ea typeface="ＭＳ Ｐゴシック" charset="0"/>
-              </a:defRPr>
-            </a:lvl2pPr>
-            <a:lvl3pPr marL="1143000" indent="-228600" eaLnBrk="0" hangingPunct="0">
-              <a:defRPr sz="2400">
-                <a:solidFill>
-                  <a:schemeClr val="tx1"/>
-                </a:solidFill>
-                <a:latin typeface="Calibri" charset="0"/>
-                <a:ea typeface="ＭＳ Ｐゴシック" charset="0"/>
-              </a:defRPr>
-            </a:lvl3pPr>
-            <a:lvl4pPr marL="1600200" indent="-228600" eaLnBrk="0" hangingPunct="0">
-              <a:defRPr sz="2400">
-                <a:solidFill>
-                  <a:schemeClr val="tx1"/>
-                </a:solidFill>
-                <a:latin typeface="Calibri" charset="0"/>
-                <a:ea typeface="ＭＳ Ｐゴシック" charset="0"/>
-              </a:defRPr>
-            </a:lvl4pPr>
-            <a:lvl5pPr marL="2057400" indent="-228600" eaLnBrk="0" hangingPunct="0">
-              <a:defRPr sz="2400">
-                <a:solidFill>
-                  <a:schemeClr val="tx1"/>
-                </a:solidFill>
-                <a:latin typeface="Calibri" charset="0"/>
-                <a:ea typeface="ＭＳ Ｐゴシック" charset="0"/>
-              </a:defRPr>
-            </a:lvl5pPr>
-            <a:lvl6pPr marL="2514600" indent="-228600" eaLnBrk="0" fontAlgn="base" hangingPunct="0">
-              <a:spcBef>
-                <a:spcPct val="0"/>
-              </a:spcBef>
-              <a:spcAft>
-                <a:spcPct val="0"/>
-              </a:spcAft>
-              <a:defRPr sz="2400">
-                <a:solidFill>
-                  <a:schemeClr val="tx1"/>
-                </a:solidFill>
-                <a:latin typeface="Calibri" charset="0"/>
-                <a:ea typeface="ＭＳ Ｐゴシック" charset="0"/>
-              </a:defRPr>
-            </a:lvl6pPr>
-            <a:lvl7pPr marL="2971800" indent="-228600" eaLnBrk="0" fontAlgn="base" hangingPunct="0">
-              <a:spcBef>
-                <a:spcPct val="0"/>
-              </a:spcBef>
-              <a:spcAft>
-                <a:spcPct val="0"/>
-              </a:spcAft>
-              <a:defRPr sz="2400">
-                <a:solidFill>
-                  <a:schemeClr val="tx1"/>
-                </a:solidFill>
-                <a:latin typeface="Calibri" charset="0"/>
-                <a:ea typeface="ＭＳ Ｐゴシック" charset="0"/>
-              </a:defRPr>
-            </a:lvl7pPr>
-            <a:lvl8pPr marL="3429000" indent="-228600" eaLnBrk="0" fontAlgn="base" hangingPunct="0">
-              <a:spcBef>
-                <a:spcPct val="0"/>
-              </a:spcBef>
-              <a:spcAft>
-                <a:spcPct val="0"/>
-              </a:spcAft>
-              <a:defRPr sz="2400">
-                <a:solidFill>
-                  <a:schemeClr val="tx1"/>
-                </a:solidFill>
-                <a:latin typeface="Calibri" charset="0"/>
-                <a:ea typeface="ＭＳ Ｐゴシック" charset="0"/>
-              </a:defRPr>
-            </a:lvl8pPr>
-            <a:lvl9pPr marL="3886200" indent="-228600" eaLnBrk="0" fontAlgn="base" hangingPunct="0">
-              <a:spcBef>
-                <a:spcPct val="0"/>
-              </a:spcBef>
-              <a:spcAft>
-                <a:spcPct val="0"/>
-              </a:spcAft>
-              <a:defRPr sz="2400">
-                <a:solidFill>
-                  <a:schemeClr val="tx1"/>
-                </a:solidFill>
-                <a:latin typeface="Calibri" charset="0"/>
-                <a:ea typeface="ＭＳ Ｐゴシック" charset="0"/>
-              </a:defRPr>
-            </a:lvl9pPr>
-          </a:lstStyle>
-          <a:p>
-            <a:pPr eaLnBrk="1" hangingPunct="1"/>
-            <a:r>
-              <a:rPr lang="en-US" sz="1400"/>
-              <a:t>Source: http://blog.programmableweb.com/2011/10/03/4000-web-apis-whats-hot-and-whats-next/</a:t>
-            </a:r>
-          </a:p>
-          <a:p>
-            <a:pPr eaLnBrk="1" hangingPunct="1"/>
-            <a:endParaRPr lang="en-US" sz="1800"/>
-          </a:p>
-        </p:txBody>
-      </p:sp>
+        </p:spPr>
+      </p:pic>
     </p:spTree>
     <p:extLst>
       <p:ext uri="{BB962C8B-B14F-4D97-AF65-F5344CB8AC3E}">
-        <p14:creationId xmlns:p14="http://schemas.microsoft.com/office/powerpoint/2010/main" val="1732714475"/>
+        <p14:creationId xmlns:p14="http://schemas.microsoft.com/office/powerpoint/2010/main" val="2138060514"/>
       </p:ext>
     </p:extLst>
   </p:cSld>
   <p:clrMapOvr>
     <a:masterClrMapping/>
   </p:clrMapOvr>
-  <p:timing>
-    <p:tnLst>
-      <p:par>
-        <p:cTn xmlns:p14="http://schemas.microsoft.com/office/powerpoint/2010/main" id="1" dur="indefinite" restart="never" nodeType="tmRoot"/>
-      </p:par>
-    </p:tnLst>
-  </p:timing>
 </p:sld>
 </file>
 
@@ -6392,12 +5124,33 @@
         </p:nvSpPr>
         <p:spPr/>
         <p:txBody>
-          <a:bodyPr/>
+          <a:bodyPr>
+            <a:normAutofit fontScale="90000"/>
+          </a:bodyPr>
           <a:lstStyle/>
           <a:p>
             <a:r>
               <a:rPr lang="en-US" dirty="0" smtClean="0"/>
-              <a:t>Some Statistics</a:t>
+              <a:t>Some </a:t>
+            </a:r>
+            <a:r>
+              <a:rPr lang="en-US" dirty="0" smtClean="0"/>
+              <a:t>s</a:t>
+            </a:r>
+            <a:r>
+              <a:rPr lang="en-US" dirty="0" smtClean="0"/>
+              <a:t>tatistics</a:t>
+            </a:r>
+            <a:br>
+              <a:rPr lang="en-US" dirty="0" smtClean="0"/>
+            </a:br>
+            <a:r>
+              <a:rPr lang="en-US" dirty="0" smtClean="0"/>
+              <a:t>3 </a:t>
+            </a:r>
+            <a:r>
+              <a:rPr lang="en-US" smtClean="0"/>
+              <a:t>years old!</a:t>
             </a:r>
             <a:endParaRPr lang="en-US" dirty="0"/>
           </a:p>
@@ -6766,429 +5519,6 @@
 </file>
 
 <file path=ppt/slides/slide7.xml><?xml version="1.0" encoding="utf-8"?>
-<p:sld xmlns:a="http://schemas.openxmlformats.org/drawingml/2006/main" xmlns:r="http://schemas.openxmlformats.org/officeDocument/2006/relationships" xmlns:p="http://schemas.openxmlformats.org/presentationml/2006/main">
-  <p:cSld>
-    <p:spTree>
-      <p:nvGrpSpPr>
-        <p:cNvPr id="1" name=""/>
-        <p:cNvGrpSpPr/>
-        <p:nvPr/>
-      </p:nvGrpSpPr>
-      <p:grpSpPr>
-        <a:xfrm>
-          <a:off x="0" y="0"/>
-          <a:ext cx="0" cy="0"/>
-          <a:chOff x="0" y="0"/>
-          <a:chExt cx="0" cy="0"/>
-        </a:xfrm>
-      </p:grpSpPr>
-      <p:sp>
-        <p:nvSpPr>
-          <p:cNvPr id="21505" name="Title 1"/>
-          <p:cNvSpPr>
-            <a:spLocks noGrp="1"/>
-          </p:cNvSpPr>
-          <p:nvPr>
-            <p:ph type="title"/>
-          </p:nvPr>
-        </p:nvSpPr>
-        <p:spPr>
-          <a:xfrm>
-            <a:off x="392089" y="130594"/>
-            <a:ext cx="8819644" cy="751826"/>
-          </a:xfrm>
-        </p:spPr>
-        <p:txBody>
-          <a:bodyPr>
-            <a:normAutofit fontScale="90000"/>
-          </a:bodyPr>
-          <a:lstStyle/>
-          <a:p>
-            <a:pPr eaLnBrk="1" hangingPunct="1"/>
-            <a:r>
-              <a:rPr lang="en-US" dirty="0"/>
-              <a:t>The New Web </a:t>
-            </a:r>
-          </a:p>
-        </p:txBody>
-      </p:sp>
-      <p:pic>
-        <p:nvPicPr>
-          <p:cNvPr id="21506" name="Content Placeholder 3" descr="api-timeline-2010.jpg"/>
-          <p:cNvPicPr>
-            <a:picLocks noGrp="1" noChangeAspect="1"/>
-          </p:cNvPicPr>
-          <p:nvPr>
-            <p:ph idx="1"/>
-          </p:nvPr>
-        </p:nvPicPr>
-        <p:blipFill>
-          <a:blip r:embed="rId3">
-            <a:extLst>
-              <a:ext uri="{28A0092B-C50C-407E-A947-70E740481C1C}">
-                <a14:useLocalDpi xmlns:a14="http://schemas.microsoft.com/office/drawing/2010/main" val="0"/>
-              </a:ext>
-            </a:extLst>
-          </a:blip>
-          <a:srcRect t="10716" b="10716"/>
-          <a:stretch>
-            <a:fillRect/>
-          </a:stretch>
-        </p:blipFill>
-        <p:spPr>
-          <a:xfrm>
-            <a:off x="0" y="1482725"/>
-            <a:ext cx="9169400" cy="5335588"/>
-          </a:xfrm>
-        </p:spPr>
-      </p:pic>
-      <p:sp>
-        <p:nvSpPr>
-          <p:cNvPr id="21507" name="TextBox 4"/>
-          <p:cNvSpPr txBox="1">
-            <a:spLocks noChangeArrowheads="1"/>
-          </p:cNvSpPr>
-          <p:nvPr/>
-        </p:nvSpPr>
-        <p:spPr bwMode="auto">
-          <a:xfrm>
-            <a:off x="63500" y="6516688"/>
-            <a:ext cx="7468695" cy="276993"/>
-          </a:xfrm>
-          <a:prstGeom prst="rect">
-            <a:avLst/>
-          </a:prstGeom>
-          <a:noFill/>
-          <a:ln>
-            <a:noFill/>
-          </a:ln>
-          <a:extLst>
-            <a:ext uri="{909E8E84-426E-40dd-AFC4-6F175D3DCCD1}">
-              <a14:hiddenFill xmlns:a14="http://schemas.microsoft.com/office/drawing/2010/main">
-                <a:solidFill>
-                  <a:srgbClr val="FFFFFF"/>
-                </a:solidFill>
-              </a14:hiddenFill>
-            </a:ext>
-            <a:ext uri="{91240B29-F687-4f45-9708-019B960494DF}">
-              <a14:hiddenLine xmlns:a14="http://schemas.microsoft.com/office/drawing/2010/main" w="9525">
-                <a:solidFill>
-                  <a:srgbClr val="000000"/>
-                </a:solidFill>
-                <a:miter lim="800000"/>
-                <a:headEnd/>
-                <a:tailEnd/>
-              </a14:hiddenLine>
-            </a:ext>
-          </a:extLst>
-        </p:spPr>
-        <p:txBody>
-          <a:bodyPr wrap="none" lIns="91432" tIns="45717" rIns="91432" bIns="45717">
-            <a:spAutoFit/>
-          </a:bodyPr>
-          <a:lstStyle>
-            <a:lvl1pPr eaLnBrk="0" hangingPunct="0">
-              <a:defRPr sz="2400">
-                <a:solidFill>
-                  <a:schemeClr val="tx1"/>
-                </a:solidFill>
-                <a:latin typeface="Calibri" charset="0"/>
-                <a:ea typeface="ＭＳ Ｐゴシック" charset="0"/>
-                <a:cs typeface="ＭＳ Ｐゴシック" charset="0"/>
-              </a:defRPr>
-            </a:lvl1pPr>
-            <a:lvl2pPr marL="742950" indent="-285750" eaLnBrk="0" hangingPunct="0">
-              <a:defRPr sz="2400">
-                <a:solidFill>
-                  <a:schemeClr val="tx1"/>
-                </a:solidFill>
-                <a:latin typeface="Calibri" charset="0"/>
-                <a:ea typeface="ＭＳ Ｐゴシック" charset="0"/>
-              </a:defRPr>
-            </a:lvl2pPr>
-            <a:lvl3pPr marL="1143000" indent="-228600" eaLnBrk="0" hangingPunct="0">
-              <a:defRPr sz="2400">
-                <a:solidFill>
-                  <a:schemeClr val="tx1"/>
-                </a:solidFill>
-                <a:latin typeface="Calibri" charset="0"/>
-                <a:ea typeface="ＭＳ Ｐゴシック" charset="0"/>
-              </a:defRPr>
-            </a:lvl3pPr>
-            <a:lvl4pPr marL="1600200" indent="-228600" eaLnBrk="0" hangingPunct="0">
-              <a:defRPr sz="2400">
-                <a:solidFill>
-                  <a:schemeClr val="tx1"/>
-                </a:solidFill>
-                <a:latin typeface="Calibri" charset="0"/>
-                <a:ea typeface="ＭＳ Ｐゴシック" charset="0"/>
-              </a:defRPr>
-            </a:lvl4pPr>
-            <a:lvl5pPr marL="2057400" indent="-228600" eaLnBrk="0" hangingPunct="0">
-              <a:defRPr sz="2400">
-                <a:solidFill>
-                  <a:schemeClr val="tx1"/>
-                </a:solidFill>
-                <a:latin typeface="Calibri" charset="0"/>
-                <a:ea typeface="ＭＳ Ｐゴシック" charset="0"/>
-              </a:defRPr>
-            </a:lvl5pPr>
-            <a:lvl6pPr marL="2514600" indent="-228600" eaLnBrk="0" fontAlgn="base" hangingPunct="0">
-              <a:spcBef>
-                <a:spcPct val="0"/>
-              </a:spcBef>
-              <a:spcAft>
-                <a:spcPct val="0"/>
-              </a:spcAft>
-              <a:defRPr sz="2400">
-                <a:solidFill>
-                  <a:schemeClr val="tx1"/>
-                </a:solidFill>
-                <a:latin typeface="Calibri" charset="0"/>
-                <a:ea typeface="ＭＳ Ｐゴシック" charset="0"/>
-              </a:defRPr>
-            </a:lvl6pPr>
-            <a:lvl7pPr marL="2971800" indent="-228600" eaLnBrk="0" fontAlgn="base" hangingPunct="0">
-              <a:spcBef>
-                <a:spcPct val="0"/>
-              </a:spcBef>
-              <a:spcAft>
-                <a:spcPct val="0"/>
-              </a:spcAft>
-              <a:defRPr sz="2400">
-                <a:solidFill>
-                  <a:schemeClr val="tx1"/>
-                </a:solidFill>
-                <a:latin typeface="Calibri" charset="0"/>
-                <a:ea typeface="ＭＳ Ｐゴシック" charset="0"/>
-              </a:defRPr>
-            </a:lvl7pPr>
-            <a:lvl8pPr marL="3429000" indent="-228600" eaLnBrk="0" fontAlgn="base" hangingPunct="0">
-              <a:spcBef>
-                <a:spcPct val="0"/>
-              </a:spcBef>
-              <a:spcAft>
-                <a:spcPct val="0"/>
-              </a:spcAft>
-              <a:defRPr sz="2400">
-                <a:solidFill>
-                  <a:schemeClr val="tx1"/>
-                </a:solidFill>
-                <a:latin typeface="Calibri" charset="0"/>
-                <a:ea typeface="ＭＳ Ｐゴシック" charset="0"/>
-              </a:defRPr>
-            </a:lvl8pPr>
-            <a:lvl9pPr marL="3886200" indent="-228600" eaLnBrk="0" fontAlgn="base" hangingPunct="0">
-              <a:spcBef>
-                <a:spcPct val="0"/>
-              </a:spcBef>
-              <a:spcAft>
-                <a:spcPct val="0"/>
-              </a:spcAft>
-              <a:defRPr sz="2400">
-                <a:solidFill>
-                  <a:schemeClr val="tx1"/>
-                </a:solidFill>
-                <a:latin typeface="Calibri" charset="0"/>
-                <a:ea typeface="ＭＳ Ｐゴシック" charset="0"/>
-              </a:defRPr>
-            </a:lvl9pPr>
-          </a:lstStyle>
-          <a:p>
-            <a:pPr eaLnBrk="1" hangingPunct="1"/>
-            <a:r>
-              <a:rPr lang="en-US" sz="1200"/>
-              <a:t>Source:  http://blog.programmableweb.com/2011/01/03/api-growth-doubles-in-2010-social-and-mobile-are-trends/ </a:t>
-            </a:r>
-          </a:p>
-        </p:txBody>
-      </p:sp>
-      <p:sp>
-        <p:nvSpPr>
-          <p:cNvPr id="21508" name="Content Placeholder 2"/>
-          <p:cNvSpPr txBox="1">
-            <a:spLocks/>
-          </p:cNvSpPr>
-          <p:nvPr/>
-        </p:nvSpPr>
-        <p:spPr bwMode="auto">
-          <a:xfrm>
-            <a:off x="109539" y="1600200"/>
-            <a:ext cx="8916987" cy="4926013"/>
-          </a:xfrm>
-          <a:prstGeom prst="rect">
-            <a:avLst/>
-          </a:prstGeom>
-          <a:noFill/>
-          <a:ln>
-            <a:noFill/>
-          </a:ln>
-          <a:extLst>
-            <a:ext uri="{909E8E84-426E-40dd-AFC4-6F175D3DCCD1}">
-              <a14:hiddenFill xmlns:a14="http://schemas.microsoft.com/office/drawing/2010/main">
-                <a:solidFill>
-                  <a:srgbClr val="FFFFFF"/>
-                </a:solidFill>
-              </a14:hiddenFill>
-            </a:ext>
-            <a:ext uri="{91240B29-F687-4f45-9708-019B960494DF}">
-              <a14:hiddenLine xmlns:a14="http://schemas.microsoft.com/office/drawing/2010/main" w="9525">
-                <a:solidFill>
-                  <a:srgbClr val="000000"/>
-                </a:solidFill>
-                <a:miter lim="800000"/>
-                <a:headEnd/>
-                <a:tailEnd/>
-              </a14:hiddenLine>
-            </a:ext>
-          </a:extLst>
-        </p:spPr>
-        <p:txBody>
-          <a:bodyPr lIns="91432" tIns="45717" rIns="91432" bIns="45717"/>
-          <a:lstStyle>
-            <a:lvl1pPr eaLnBrk="0" hangingPunct="0">
-              <a:defRPr sz="2400">
-                <a:solidFill>
-                  <a:schemeClr val="tx1"/>
-                </a:solidFill>
-                <a:latin typeface="Calibri" charset="0"/>
-                <a:ea typeface="ＭＳ Ｐゴシック" charset="0"/>
-                <a:cs typeface="ＭＳ Ｐゴシック" charset="0"/>
-              </a:defRPr>
-            </a:lvl1pPr>
-            <a:lvl2pPr marL="742950" indent="-285750" eaLnBrk="0" hangingPunct="0">
-              <a:defRPr sz="2400">
-                <a:solidFill>
-                  <a:schemeClr val="tx1"/>
-                </a:solidFill>
-                <a:latin typeface="Calibri" charset="0"/>
-                <a:ea typeface="ＭＳ Ｐゴシック" charset="0"/>
-              </a:defRPr>
-            </a:lvl2pPr>
-            <a:lvl3pPr marL="1143000" indent="-228600" eaLnBrk="0" hangingPunct="0">
-              <a:defRPr sz="2400">
-                <a:solidFill>
-                  <a:schemeClr val="tx1"/>
-                </a:solidFill>
-                <a:latin typeface="Calibri" charset="0"/>
-                <a:ea typeface="ＭＳ Ｐゴシック" charset="0"/>
-              </a:defRPr>
-            </a:lvl3pPr>
-            <a:lvl4pPr marL="1600200" indent="-228600" eaLnBrk="0" hangingPunct="0">
-              <a:defRPr sz="2400">
-                <a:solidFill>
-                  <a:schemeClr val="tx1"/>
-                </a:solidFill>
-                <a:latin typeface="Calibri" charset="0"/>
-                <a:ea typeface="ＭＳ Ｐゴシック" charset="0"/>
-              </a:defRPr>
-            </a:lvl4pPr>
-            <a:lvl5pPr marL="2057400" indent="-228600" eaLnBrk="0" hangingPunct="0">
-              <a:defRPr sz="2400">
-                <a:solidFill>
-                  <a:schemeClr val="tx1"/>
-                </a:solidFill>
-                <a:latin typeface="Calibri" charset="0"/>
-                <a:ea typeface="ＭＳ Ｐゴシック" charset="0"/>
-              </a:defRPr>
-            </a:lvl5pPr>
-            <a:lvl6pPr marL="2514600" indent="-228600" eaLnBrk="0" fontAlgn="base" hangingPunct="0">
-              <a:spcBef>
-                <a:spcPct val="0"/>
-              </a:spcBef>
-              <a:spcAft>
-                <a:spcPct val="0"/>
-              </a:spcAft>
-              <a:defRPr sz="2400">
-                <a:solidFill>
-                  <a:schemeClr val="tx1"/>
-                </a:solidFill>
-                <a:latin typeface="Calibri" charset="0"/>
-                <a:ea typeface="ＭＳ Ｐゴシック" charset="0"/>
-              </a:defRPr>
-            </a:lvl6pPr>
-            <a:lvl7pPr marL="2971800" indent="-228600" eaLnBrk="0" fontAlgn="base" hangingPunct="0">
-              <a:spcBef>
-                <a:spcPct val="0"/>
-              </a:spcBef>
-              <a:spcAft>
-                <a:spcPct val="0"/>
-              </a:spcAft>
-              <a:defRPr sz="2400">
-                <a:solidFill>
-                  <a:schemeClr val="tx1"/>
-                </a:solidFill>
-                <a:latin typeface="Calibri" charset="0"/>
-                <a:ea typeface="ＭＳ Ｐゴシック" charset="0"/>
-              </a:defRPr>
-            </a:lvl7pPr>
-            <a:lvl8pPr marL="3429000" indent="-228600" eaLnBrk="0" fontAlgn="base" hangingPunct="0">
-              <a:spcBef>
-                <a:spcPct val="0"/>
-              </a:spcBef>
-              <a:spcAft>
-                <a:spcPct val="0"/>
-              </a:spcAft>
-              <a:defRPr sz="2400">
-                <a:solidFill>
-                  <a:schemeClr val="tx1"/>
-                </a:solidFill>
-                <a:latin typeface="Calibri" charset="0"/>
-                <a:ea typeface="ＭＳ Ｐゴシック" charset="0"/>
-              </a:defRPr>
-            </a:lvl8pPr>
-            <a:lvl9pPr marL="3886200" indent="-228600" eaLnBrk="0" fontAlgn="base" hangingPunct="0">
-              <a:spcBef>
-                <a:spcPct val="0"/>
-              </a:spcBef>
-              <a:spcAft>
-                <a:spcPct val="0"/>
-              </a:spcAft>
-              <a:defRPr sz="2400">
-                <a:solidFill>
-                  <a:schemeClr val="tx1"/>
-                </a:solidFill>
-                <a:latin typeface="Calibri" charset="0"/>
-                <a:ea typeface="ＭＳ Ｐゴシック" charset="0"/>
-              </a:defRPr>
-            </a:lvl9pPr>
-          </a:lstStyle>
-          <a:p>
-            <a:pPr eaLnBrk="1" hangingPunct="1">
-              <a:spcBef>
-                <a:spcPct val="20000"/>
-              </a:spcBef>
-              <a:buFont typeface="Arial" charset="0"/>
-              <a:buNone/>
-            </a:pPr>
-            <a:r>
-              <a:rPr lang="en-US" sz="3200"/>
-              <a:t>Create an Architecture of Participation across multiple brand name properties</a:t>
-            </a:r>
-          </a:p>
-        </p:txBody>
-      </p:sp>
-    </p:spTree>
-    <p:extLst>
-      <p:ext uri="{BB962C8B-B14F-4D97-AF65-F5344CB8AC3E}">
-        <p14:creationId xmlns:p14="http://schemas.microsoft.com/office/powerpoint/2010/main" val="1220372295"/>
-      </p:ext>
-    </p:extLst>
-  </p:cSld>
-  <p:clrMapOvr>
-    <a:masterClrMapping/>
-  </p:clrMapOvr>
-  <p:timing>
-    <p:tnLst>
-      <p:par>
-        <p:cTn xmlns:p14="http://schemas.microsoft.com/office/powerpoint/2010/main" id="1" dur="indefinite" restart="never" nodeType="tmRoot"/>
-      </p:par>
-    </p:tnLst>
-  </p:timing>
-</p:sld>
-</file>
-
-<file path=ppt/slides/slide8.xml><?xml version="1.0" encoding="utf-8"?>
 <p:sld xmlns:a="http://schemas.openxmlformats.org/drawingml/2006/main" xmlns:r="http://schemas.openxmlformats.org/officeDocument/2006/relationships" xmlns:p="http://schemas.openxmlformats.org/presentationml/2006/main">
   <p:cSld>
     <p:spTree>
@@ -7550,6 +5880,141 @@
 </p:sld>
 </file>
 
+<file path=ppt/slides/slide8.xml><?xml version="1.0" encoding="utf-8"?>
+<p:sld xmlns:a="http://schemas.openxmlformats.org/drawingml/2006/main" xmlns:r="http://schemas.openxmlformats.org/officeDocument/2006/relationships" xmlns:p="http://schemas.openxmlformats.org/presentationml/2006/main">
+  <p:cSld>
+    <p:spTree>
+      <p:nvGrpSpPr>
+        <p:cNvPr id="1" name=""/>
+        <p:cNvGrpSpPr/>
+        <p:nvPr/>
+      </p:nvGrpSpPr>
+      <p:grpSpPr>
+        <a:xfrm>
+          <a:off x="0" y="0"/>
+          <a:ext cx="0" cy="0"/>
+          <a:chOff x="0" y="0"/>
+          <a:chExt cx="0" cy="0"/>
+        </a:xfrm>
+      </p:grpSpPr>
+      <p:sp>
+        <p:nvSpPr>
+          <p:cNvPr id="2" name="Title 1"/>
+          <p:cNvSpPr>
+            <a:spLocks noGrp="1"/>
+          </p:cNvSpPr>
+          <p:nvPr>
+            <p:ph type="title"/>
+          </p:nvPr>
+        </p:nvSpPr>
+        <p:spPr/>
+        <p:txBody>
+          <a:bodyPr>
+            <a:normAutofit fontScale="90000"/>
+          </a:bodyPr>
+          <a:lstStyle/>
+          <a:p>
+            <a:r>
+              <a:rPr lang="en-US" sz="3600" dirty="0"/>
+              <a:t>Running your SOA like a Web startup</a:t>
+            </a:r>
+          </a:p>
+        </p:txBody>
+      </p:sp>
+      <p:pic>
+        <p:nvPicPr>
+          <p:cNvPr id="4" name="Picture 3"/>
+          <p:cNvPicPr>
+            <a:picLocks noChangeAspect="1"/>
+          </p:cNvPicPr>
+          <p:nvPr/>
+        </p:nvPicPr>
+        <p:blipFill rotWithShape="1">
+          <a:blip r:embed="rId2"/>
+          <a:srcRect t="8008"/>
+          <a:stretch/>
+        </p:blipFill>
+        <p:spPr>
+          <a:xfrm>
+            <a:off x="1780829" y="1239939"/>
+            <a:ext cx="4474719" cy="4273685"/>
+          </a:xfrm>
+          <a:prstGeom prst="rect">
+            <a:avLst/>
+          </a:prstGeom>
+        </p:spPr>
+      </p:pic>
+      <p:sp>
+        <p:nvSpPr>
+          <p:cNvPr id="5" name="Rectangle 4"/>
+          <p:cNvSpPr/>
+          <p:nvPr/>
+        </p:nvSpPr>
+        <p:spPr>
+          <a:xfrm>
+            <a:off x="203695" y="5443971"/>
+            <a:ext cx="8483105" cy="646325"/>
+          </a:xfrm>
+          <a:prstGeom prst="rect">
+            <a:avLst/>
+          </a:prstGeom>
+        </p:spPr>
+        <p:txBody>
+          <a:bodyPr wrap="square" lIns="91432" tIns="45717" rIns="91432" bIns="45717">
+            <a:spAutoFit/>
+          </a:bodyPr>
+          <a:lstStyle/>
+          <a:p>
+            <a:r>
+              <a:rPr lang="en-US" dirty="0">
+                <a:latin typeface="Montserrat"/>
+                <a:cs typeface="Montserrat"/>
+                <a:hlinkClick r:id="rId3"/>
+              </a:rPr>
+              <a:t>http://www.zdnet.com/blog/hinchcliffe/running-your-soa-like-a-web-startup/</a:t>
+            </a:r>
+            <a:r>
+              <a:rPr lang="en-US" dirty="0" smtClean="0">
+                <a:latin typeface="Montserrat"/>
+                <a:cs typeface="Montserrat"/>
+                <a:hlinkClick r:id="rId3"/>
+              </a:rPr>
+              <a:t>525</a:t>
+            </a:r>
+            <a:r>
+              <a:rPr lang="en-US" dirty="0" smtClean="0">
+                <a:latin typeface="Montserrat"/>
+                <a:cs typeface="Montserrat"/>
+              </a:rPr>
+              <a:t> </a:t>
+            </a:r>
+            <a:endParaRPr lang="en-US" dirty="0">
+              <a:latin typeface="Montserrat"/>
+              <a:cs typeface="Montserrat"/>
+            </a:endParaRPr>
+          </a:p>
+        </p:txBody>
+      </p:sp>
+    </p:spTree>
+    <p:extLst>
+      <p:ext uri="{BB962C8B-B14F-4D97-AF65-F5344CB8AC3E}">
+        <p14:creationId xmlns:p14="http://schemas.microsoft.com/office/powerpoint/2010/main" val="2921513891"/>
+      </p:ext>
+    </p:extLst>
+  </p:cSld>
+  <p:clrMapOvr>
+    <a:masterClrMapping/>
+  </p:clrMapOvr>
+  <p:timing>
+    <p:tnLst>
+      <p:par>
+        <p:cTn xmlns:p14="http://schemas.microsoft.com/office/powerpoint/2010/main" id="1" dur="indefinite" restart="never" nodeType="tmRoot"/>
+      </p:par>
+    </p:tnLst>
+  </p:timing>
+</p:sld>
+</file>
+
 <file path=ppt/slides/slide9.xml><?xml version="1.0" encoding="utf-8"?>
 <p:sld xmlns:a="http://schemas.openxmlformats.org/drawingml/2006/main" xmlns:r="http://schemas.openxmlformats.org/officeDocument/2006/relationships" xmlns:p="http://schemas.openxmlformats.org/presentationml/2006/main">
   <p:cSld>
@@ -7569,119 +6034,308 @@
       </p:grpSpPr>
       <p:sp>
         <p:nvSpPr>
-          <p:cNvPr id="2" name="Title 1"/>
-          <p:cNvSpPr>
-            <a:spLocks noGrp="1"/>
+          <p:cNvPr id="6145" name="Rectangle 1"/>
+          <p:cNvSpPr>
+            <a:spLocks noGrp="1" noChangeArrowheads="1"/>
           </p:cNvSpPr>
           <p:nvPr>
             <p:ph type="title"/>
           </p:nvPr>
         </p:nvSpPr>
-        <p:spPr/>
+        <p:spPr>
+          <a:xfrm>
+            <a:off x="321469" y="-71437"/>
+            <a:ext cx="5786438" cy="895201"/>
+          </a:xfrm>
+          <a:ln/>
+        </p:spPr>
         <p:txBody>
           <a:bodyPr>
-            <a:normAutofit/>
+            <a:normAutofit fontScale="90000"/>
           </a:bodyPr>
           <a:lstStyle/>
           <a:p>
             <a:r>
-              <a:rPr lang="en-US" sz="3600" dirty="0"/>
-              <a:t>Running your SOA like a Web startup</a:t>
-            </a:r>
-          </a:p>
-        </p:txBody>
-      </p:sp>
-      <p:pic>
-        <p:nvPicPr>
-          <p:cNvPr id="4" name="Picture 3"/>
-          <p:cNvPicPr>
-            <a:picLocks noChangeAspect="1"/>
-          </p:cNvPicPr>
-          <p:nvPr/>
-        </p:nvPicPr>
-        <p:blipFill rotWithShape="1">
-          <a:blip r:embed="rId2"/>
-          <a:srcRect t="8008"/>
-          <a:stretch/>
-        </p:blipFill>
+              <a:rPr lang="en-US"/>
+              <a:t>API Ecosystem Model</a:t>
+            </a:r>
+          </a:p>
+        </p:txBody>
+      </p:sp>
+      <p:sp>
+        <p:nvSpPr>
+          <p:cNvPr id="6146" name="Rectangle 2"/>
+          <p:cNvSpPr>
+            <a:spLocks noGrp="1" noChangeArrowheads="1"/>
+          </p:cNvSpPr>
+          <p:nvPr>
+            <p:ph type="body" idx="1"/>
+          </p:nvPr>
+        </p:nvSpPr>
         <p:spPr>
           <a:xfrm>
-            <a:off x="1780829" y="1239939"/>
-            <a:ext cx="4474719" cy="4273685"/>
-          </a:xfrm>
-          <a:prstGeom prst="rect">
-            <a:avLst/>
-          </a:prstGeom>
-        </p:spPr>
-      </p:pic>
-      <p:sp>
-        <p:nvSpPr>
-          <p:cNvPr id="5" name="Rectangle 4"/>
-          <p:cNvSpPr/>
-          <p:nvPr/>
-        </p:nvSpPr>
-        <p:spPr>
-          <a:xfrm>
-            <a:off x="203695" y="5443971"/>
-            <a:ext cx="8483105" cy="369326"/>
-          </a:xfrm>
-          <a:prstGeom prst="rect">
-            <a:avLst/>
-          </a:prstGeom>
-        </p:spPr>
-        <p:txBody>
-          <a:bodyPr wrap="square" lIns="91432" tIns="45717" rIns="91432" bIns="45717">
-            <a:spAutoFit/>
-          </a:bodyPr>
+            <a:off x="321469" y="1007939"/>
+            <a:ext cx="7625953" cy="5223867"/>
+          </a:xfrm>
+          <a:ln/>
+        </p:spPr>
+        <p:txBody>
+          <a:bodyPr/>
           <a:lstStyle/>
           <a:p>
-            <a:r>
-              <a:rPr lang="en-US" dirty="0">
-                <a:latin typeface="Calisto MT"/>
-                <a:cs typeface="Calisto MT"/>
-                <a:hlinkClick r:id="rId3"/>
+            <a:pPr marL="0" indent="0">
+              <a:spcBef>
+                <a:spcPct val="0"/>
+              </a:spcBef>
+            </a:pPr>
+            <a:r>
+              <a:rPr lang="en-US" sz="2000" b="1"/>
+              <a:t>From SOA lessons learned, best practices roles</a:t>
+            </a:r>
+            <a:r>
+              <a:rPr lang="en-US" sz="2000" b="1">
+                <a:ea typeface="ヒラギノ角ゴ ProN W6" charset="0"/>
+                <a:cs typeface="ヒラギノ角ゴ ProN W6" charset="0"/>
               </a:rPr>
-              <a:t>http://www.zdnet.com/blog/hinchcliffe/running-your-soa-like-a-web-startup/</a:t>
-            </a:r>
-            <a:r>
-              <a:rPr lang="en-US" dirty="0" smtClean="0">
-                <a:latin typeface="Calisto MT"/>
-                <a:cs typeface="Calisto MT"/>
-                <a:hlinkClick r:id="rId3"/>
+              <a:t/>
+            </a:r>
+            <a:br>
+              <a:rPr lang="en-US" sz="2000" b="1">
+                <a:ea typeface="ヒラギノ角ゴ ProN W6" charset="0"/>
+                <a:cs typeface="ヒラギノ角ゴ ProN W6" charset="0"/>
               </a:rPr>
-              <a:t>525</a:t>
-            </a:r>
-            <a:r>
-              <a:rPr lang="en-US" dirty="0" smtClean="0">
-                <a:latin typeface="Calisto MT"/>
-                <a:cs typeface="Calisto MT"/>
-              </a:rPr>
-              <a:t> </a:t>
-            </a:r>
-            <a:endParaRPr lang="en-US" dirty="0">
-              <a:latin typeface="Calisto MT"/>
-              <a:cs typeface="Calisto MT"/>
+            </a:br>
+            <a:endParaRPr lang="en-US" sz="2000" b="1">
+              <a:ea typeface="ヒラギノ角ゴ ProN W6" charset="0"/>
+              <a:cs typeface="ヒラギノ角ゴ ProN W6" charset="0"/>
             </a:endParaRPr>
+          </a:p>
+          <a:p>
+            <a:pPr marL="0" indent="0">
+              <a:buClr>
+                <a:srgbClr val="000000"/>
+              </a:buClr>
+              <a:buFont typeface="Arial" charset="0"/>
+              <a:buChar char="•"/>
+            </a:pPr>
+            <a:r>
+              <a:rPr lang="en-US" sz="1800" b="1"/>
+              <a:t>API Creator</a:t>
+            </a:r>
+            <a:endParaRPr lang="en-US" sz="1800" b="1">
+              <a:ea typeface="ヒラギノ角ゴ ProN W6" charset="0"/>
+              <a:cs typeface="ヒラギノ角ゴ ProN W6" charset="0"/>
+            </a:endParaRPr>
+          </a:p>
+          <a:p>
+            <a:pPr marL="459863" lvl="1" indent="-125011">
+              <a:spcBef>
+                <a:spcPts val="352"/>
+              </a:spcBef>
+              <a:buClr>
+                <a:srgbClr val="000000"/>
+              </a:buClr>
+              <a:buFont typeface="Arial" charset="0"/>
+              <a:buChar char="•"/>
+            </a:pPr>
+            <a:r>
+              <a:rPr lang="en-US" sz="1700"/>
+              <a:t>Builds, manages, and versions API</a:t>
+            </a:r>
+          </a:p>
+          <a:p>
+            <a:pPr marL="459863" lvl="1" indent="-125011">
+              <a:spcBef>
+                <a:spcPts val="352"/>
+              </a:spcBef>
+              <a:buClr>
+                <a:srgbClr val="000000"/>
+              </a:buClr>
+              <a:buFont typeface="Arial" charset="0"/>
+              <a:buChar char="•"/>
+            </a:pPr>
+            <a:r>
+              <a:rPr lang="en-US" sz="1700"/>
+              <a:t>Understand business and technical requirements</a:t>
+            </a:r>
+          </a:p>
+          <a:p>
+            <a:pPr marL="459863" lvl="1" indent="-125011">
+              <a:spcBef>
+                <a:spcPts val="352"/>
+              </a:spcBef>
+              <a:buClr>
+                <a:srgbClr val="000000"/>
+              </a:buClr>
+              <a:buFont typeface="Arial" charset="0"/>
+              <a:buChar char="•"/>
+            </a:pPr>
+            <a:r>
+              <a:rPr lang="en-US" sz="1700"/>
+              <a:t>Cares about usage and scaling</a:t>
+            </a:r>
+          </a:p>
+          <a:p>
+            <a:pPr marL="459863" lvl="1" indent="-125011">
+              <a:spcBef>
+                <a:spcPts val="352"/>
+              </a:spcBef>
+              <a:buClr>
+                <a:srgbClr val="000000"/>
+              </a:buClr>
+              <a:buFont typeface="Arial" charset="0"/>
+              <a:buChar char="•"/>
+            </a:pPr>
+            <a:r>
+              <a:rPr lang="en-US" sz="1700"/>
+              <a:t>Seeks feedback, ratings, usage</a:t>
+            </a:r>
+          </a:p>
+          <a:p>
+            <a:pPr marL="0" indent="0">
+              <a:buClr>
+                <a:srgbClr val="000000"/>
+              </a:buClr>
+              <a:buFont typeface="Arial" charset="0"/>
+              <a:buChar char="•"/>
+            </a:pPr>
+            <a:r>
+              <a:rPr lang="en-US" sz="1800" b="1"/>
+              <a:t>API Publisher</a:t>
+            </a:r>
+            <a:endParaRPr lang="en-US" sz="1800" b="1">
+              <a:ea typeface="ヒラギノ角ゴ ProN W6" charset="0"/>
+              <a:cs typeface="ヒラギノ角ゴ ProN W6" charset="0"/>
+            </a:endParaRPr>
+          </a:p>
+          <a:p>
+            <a:pPr marL="459863" lvl="1" indent="-125011">
+              <a:buClr>
+                <a:srgbClr val="000000"/>
+              </a:buClr>
+              <a:buFont typeface="Arial" charset="0"/>
+              <a:buChar char="•"/>
+            </a:pPr>
+            <a:r>
+              <a:rPr lang="en-US" sz="1700"/>
+              <a:t>Publishes, Promotes and encourages consumers to adopt APIs</a:t>
+            </a:r>
+          </a:p>
+          <a:p>
+            <a:pPr marL="459863" lvl="1" indent="-125011">
+              <a:buClr>
+                <a:srgbClr val="000000"/>
+              </a:buClr>
+              <a:buFont typeface="Arial" charset="0"/>
+              <a:buChar char="•"/>
+            </a:pPr>
+            <a:r>
+              <a:rPr lang="en-US" sz="1700"/>
+              <a:t>Determines usage patterns and how to best monetize asset</a:t>
+            </a:r>
+          </a:p>
+          <a:p>
+            <a:pPr marL="459863" lvl="1" indent="-125011">
+              <a:buClr>
+                <a:srgbClr val="000000"/>
+              </a:buClr>
+              <a:buFont typeface="Arial" charset="0"/>
+              <a:buChar char="•"/>
+            </a:pPr>
+            <a:r>
+              <a:rPr lang="en-US" sz="1700"/>
+              <a:t>Monitors and secures</a:t>
+            </a:r>
+          </a:p>
+          <a:p>
+            <a:pPr marL="0" indent="0">
+              <a:buClr>
+                <a:srgbClr val="000000"/>
+              </a:buClr>
+              <a:buFont typeface="Arial" charset="0"/>
+              <a:buChar char="•"/>
+            </a:pPr>
+            <a:r>
+              <a:rPr lang="en-US" sz="1800" b="1"/>
+              <a:t>API Consumer</a:t>
+            </a:r>
+            <a:endParaRPr lang="en-US" sz="1800" b="1">
+              <a:ea typeface="ヒラギノ角ゴ ProN W6" charset="0"/>
+              <a:cs typeface="ヒラギノ角ゴ ProN W6" charset="0"/>
+            </a:endParaRPr>
+          </a:p>
+          <a:p>
+            <a:pPr marL="459863" lvl="1" indent="-125011">
+              <a:buClr>
+                <a:srgbClr val="000000"/>
+              </a:buClr>
+              <a:buFont typeface="Arial" charset="0"/>
+              <a:buChar char="•"/>
+            </a:pPr>
+            <a:r>
+              <a:rPr lang="en-US" sz="1700"/>
+              <a:t>Understands the interface definition </a:t>
+            </a:r>
+          </a:p>
+          <a:p>
+            <a:pPr marL="459863" lvl="1" indent="-125011">
+              <a:buClr>
+                <a:srgbClr val="000000"/>
+              </a:buClr>
+              <a:buFont typeface="Arial" charset="0"/>
+              <a:buChar char="•"/>
+            </a:pPr>
+            <a:r>
+              <a:rPr lang="en-US" sz="1700"/>
+              <a:t>Subscribes and connects application to API</a:t>
+            </a:r>
+          </a:p>
+          <a:p>
+            <a:pPr marL="459863" lvl="1" indent="-125011">
+              <a:buClr>
+                <a:srgbClr val="000000"/>
+              </a:buClr>
+              <a:buFont typeface="Arial" charset="0"/>
+              <a:buChar char="•"/>
+            </a:pPr>
+            <a:r>
+              <a:rPr lang="en-US" sz="1700"/>
+              <a:t>Monitors own usage and cost basis</a:t>
+            </a:r>
+          </a:p>
+          <a:p>
+            <a:pPr marL="459863" lvl="1" indent="-125011">
+              <a:buClr>
+                <a:srgbClr val="000000"/>
+              </a:buClr>
+              <a:buFont typeface="Arial" charset="0"/>
+              <a:buChar char="•"/>
+            </a:pPr>
+            <a:r>
+              <a:rPr lang="en-US" sz="1700"/>
+              <a:t>Provides feedback and ratings</a:t>
+            </a:r>
           </a:p>
         </p:txBody>
       </p:sp>
     </p:spTree>
     <p:extLst>
       <p:ext uri="{BB962C8B-B14F-4D97-AF65-F5344CB8AC3E}">
-        <p14:creationId xmlns:p14="http://schemas.microsoft.com/office/powerpoint/2010/main" val="2921513891"/>
+        <p14:creationId xmlns:p14="http://schemas.microsoft.com/office/powerpoint/2010/main" val="2195036050"/>
       </p:ext>
     </p:extLst>
   </p:cSld>
   <p:clrMapOvr>
     <a:masterClrMapping/>
   </p:clrMapOvr>
-  <p:timing>
-    <p:tnLst>
-      <p:par>
-        <p:cTn xmlns:p14="http://schemas.microsoft.com/office/powerpoint/2010/main" id="1" dur="indefinite" restart="never" nodeType="tmRoot"/>
-      </p:par>
-    </p:tnLst>
-  </p:timing>
+  <mc:AlternateContent xmlns:mc="http://schemas.openxmlformats.org/markup-compatibility/2006" xmlns:p14="http://schemas.microsoft.com/office/powerpoint/2010/main">
+    <mc:Choice Requires="p14">
+      <p:transition spd="slow" p14:dur="2000"/>
+    </mc:Choice>
+    <mc:Fallback xmlns="">
+      <p:transition xmlns:p14="http://schemas.microsoft.com/office/powerpoint/2010/main" spd="slow"/>
+    </mc:Fallback>
+  </mc:AlternateContent>
 </p:sld>
 </file>
 

--- a/presentation-source/13-apis.pptx
+++ b/presentation-source/13-apis.pptx
@@ -211,7 +211,7 @@
             <a:fld id="{7307762F-A706-E543-A832-3C298AA3103F}" type="datetimeFigureOut">
               <a:rPr lang="en-US" smtClean="0"/>
               <a:pPr/>
-              <a:t>10/06/16</a:t>
+              <a:t>07/05/17</a:t>
             </a:fld>
             <a:endParaRPr lang="en-US" dirty="0"/>
           </a:p>
@@ -778,7 +778,7 @@
           <a:p>
             <a:fld id="{875CF0EB-321F-0749-B37A-89BBA859503C}" type="datetimeFigureOut">
               <a:rPr lang="en-US" smtClean="0"/>
-              <a:t>10/06/16</a:t>
+              <a:t>07/05/17</a:t>
             </a:fld>
             <a:endParaRPr lang="en-US"/>
           </a:p>
@@ -982,7 +982,7 @@
           <a:p>
             <a:fld id="{875CF0EB-321F-0749-B37A-89BBA859503C}" type="datetimeFigureOut">
               <a:rPr lang="en-US" smtClean="0"/>
-              <a:t>10/06/16</a:t>
+              <a:t>07/05/17</a:t>
             </a:fld>
             <a:endParaRPr lang="en-US"/>
           </a:p>
@@ -1176,7 +1176,7 @@
           <a:p>
             <a:fld id="{875CF0EB-321F-0749-B37A-89BBA859503C}" type="datetimeFigureOut">
               <a:rPr lang="en-US" smtClean="0"/>
-              <a:t>10/06/16</a:t>
+              <a:t>07/05/17</a:t>
             </a:fld>
             <a:endParaRPr lang="en-US"/>
           </a:p>
@@ -1446,7 +1446,7 @@
           <a:p>
             <a:fld id="{875CF0EB-321F-0749-B37A-89BBA859503C}" type="datetimeFigureOut">
               <a:rPr lang="en-US" smtClean="0"/>
-              <a:t>10/06/16</a:t>
+              <a:t>07/05/17</a:t>
             </a:fld>
             <a:endParaRPr lang="en-US"/>
           </a:p>
@@ -1758,7 +1758,7 @@
           <a:p>
             <a:fld id="{875CF0EB-321F-0749-B37A-89BBA859503C}" type="datetimeFigureOut">
               <a:rPr lang="en-US" smtClean="0"/>
-              <a:t>10/06/16</a:t>
+              <a:t>07/05/17</a:t>
             </a:fld>
             <a:endParaRPr lang="en-US"/>
           </a:p>
@@ -2204,7 +2204,7 @@
           <a:p>
             <a:fld id="{875CF0EB-321F-0749-B37A-89BBA859503C}" type="datetimeFigureOut">
               <a:rPr lang="en-US" smtClean="0"/>
-              <a:t>10/06/16</a:t>
+              <a:t>07/05/17</a:t>
             </a:fld>
             <a:endParaRPr lang="en-US"/>
           </a:p>
@@ -2346,7 +2346,7 @@
           <a:p>
             <a:fld id="{875CF0EB-321F-0749-B37A-89BBA859503C}" type="datetimeFigureOut">
               <a:rPr lang="en-US" smtClean="0"/>
-              <a:t>10/06/16</a:t>
+              <a:t>07/05/17</a:t>
             </a:fld>
             <a:endParaRPr lang="en-US"/>
           </a:p>
@@ -2465,7 +2465,7 @@
           <a:p>
             <a:fld id="{875CF0EB-321F-0749-B37A-89BBA859503C}" type="datetimeFigureOut">
               <a:rPr lang="en-US" smtClean="0"/>
-              <a:t>10/06/16</a:t>
+              <a:t>07/05/17</a:t>
             </a:fld>
             <a:endParaRPr lang="en-US"/>
           </a:p>
@@ -2766,7 +2766,7 @@
           <a:p>
             <a:fld id="{875CF0EB-321F-0749-B37A-89BBA859503C}" type="datetimeFigureOut">
               <a:rPr lang="en-US" smtClean="0"/>
-              <a:t>10/06/16</a:t>
+              <a:t>07/05/17</a:t>
             </a:fld>
             <a:endParaRPr lang="en-US"/>
           </a:p>
@@ -3043,7 +3043,7 @@
           <a:p>
             <a:fld id="{875CF0EB-321F-0749-B37A-89BBA859503C}" type="datetimeFigureOut">
               <a:rPr lang="en-US" smtClean="0"/>
-              <a:t>10/06/16</a:t>
+              <a:t>07/05/17</a:t>
             </a:fld>
             <a:endParaRPr lang="en-US"/>
           </a:p>
@@ -3423,19 +3423,7 @@
               <a:rPr lang="en-US" sz="700" dirty="0" smtClean="0">
                 <a:latin typeface="Montserrat"/>
               </a:rPr>
-              <a:t>© Paul Fremantle </a:t>
-            </a:r>
-            <a:r>
-              <a:rPr lang="en-US" sz="700" dirty="0" smtClean="0">
-                <a:latin typeface="Montserrat"/>
-              </a:rPr>
-              <a:t>2016 except where credited elsewhere. </a:t>
-            </a:r>
-            <a:r>
-              <a:rPr lang="en-US" sz="700" dirty="0" smtClean="0">
-                <a:latin typeface="Montserrat"/>
-              </a:rPr>
-              <a:t> This work is licensed under a Creative Commons</a:t>
+              <a:t>© Paul Fremantle 2016 except where credited elsewhere.  This work is licensed under a Creative Commons</a:t>
             </a:r>
           </a:p>
           <a:p>
@@ -3873,11 +3861,11 @@
           </a:p>
           <a:p>
             <a:r>
-              <a:rPr lang="en-US" dirty="0" smtClean="0">
+              <a:rPr lang="en-US" smtClean="0">
                 <a:ea typeface="ヒラギノ角ゴ ProN W3" charset="0"/>
                 <a:cs typeface="ヒラギノ角ゴ ProN W3" charset="0"/>
               </a:rPr>
-              <a:t>June 2016</a:t>
+              <a:t>May 2017</a:t>
             </a:r>
             <a:endParaRPr lang="en-US" dirty="0">
               <a:ea typeface="ヒラギノ角ゴ ProN W3" charset="0"/>
@@ -5131,15 +5119,7 @@
           <a:p>
             <a:r>
               <a:rPr lang="en-US" dirty="0" smtClean="0"/>
-              <a:t>Some </a:t>
-            </a:r>
-            <a:r>
-              <a:rPr lang="en-US" dirty="0" smtClean="0"/>
-              <a:t>s</a:t>
-            </a:r>
-            <a:r>
-              <a:rPr lang="en-US" dirty="0" smtClean="0"/>
-              <a:t>tatistics</a:t>
+              <a:t>Some statistics</a:t>
             </a:r>
             <a:br>
               <a:rPr lang="en-US" dirty="0" smtClean="0"/>

--- a/presentation-source/13-apis.pptx
+++ b/presentation-source/13-apis.pptx
@@ -211,7 +211,7 @@
             <a:fld id="{7307762F-A706-E543-A832-3C298AA3103F}" type="datetimeFigureOut">
               <a:rPr lang="en-US" smtClean="0"/>
               <a:pPr/>
-              <a:t>07/05/17</a:t>
+              <a:t>25/05/17</a:t>
             </a:fld>
             <a:endParaRPr lang="en-US" dirty="0"/>
           </a:p>
@@ -778,7 +778,7 @@
           <a:p>
             <a:fld id="{875CF0EB-321F-0749-B37A-89BBA859503C}" type="datetimeFigureOut">
               <a:rPr lang="en-US" smtClean="0"/>
-              <a:t>07/05/17</a:t>
+              <a:t>25/05/17</a:t>
             </a:fld>
             <a:endParaRPr lang="en-US"/>
           </a:p>
@@ -982,7 +982,7 @@
           <a:p>
             <a:fld id="{875CF0EB-321F-0749-B37A-89BBA859503C}" type="datetimeFigureOut">
               <a:rPr lang="en-US" smtClean="0"/>
-              <a:t>07/05/17</a:t>
+              <a:t>25/05/17</a:t>
             </a:fld>
             <a:endParaRPr lang="en-US"/>
           </a:p>
@@ -1176,7 +1176,7 @@
           <a:p>
             <a:fld id="{875CF0EB-321F-0749-B37A-89BBA859503C}" type="datetimeFigureOut">
               <a:rPr lang="en-US" smtClean="0"/>
-              <a:t>07/05/17</a:t>
+              <a:t>25/05/17</a:t>
             </a:fld>
             <a:endParaRPr lang="en-US"/>
           </a:p>
@@ -1446,7 +1446,7 @@
           <a:p>
             <a:fld id="{875CF0EB-321F-0749-B37A-89BBA859503C}" type="datetimeFigureOut">
               <a:rPr lang="en-US" smtClean="0"/>
-              <a:t>07/05/17</a:t>
+              <a:t>25/05/17</a:t>
             </a:fld>
             <a:endParaRPr lang="en-US"/>
           </a:p>
@@ -1758,7 +1758,7 @@
           <a:p>
             <a:fld id="{875CF0EB-321F-0749-B37A-89BBA859503C}" type="datetimeFigureOut">
               <a:rPr lang="en-US" smtClean="0"/>
-              <a:t>07/05/17</a:t>
+              <a:t>25/05/17</a:t>
             </a:fld>
             <a:endParaRPr lang="en-US"/>
           </a:p>
@@ -2204,7 +2204,7 @@
           <a:p>
             <a:fld id="{875CF0EB-321F-0749-B37A-89BBA859503C}" type="datetimeFigureOut">
               <a:rPr lang="en-US" smtClean="0"/>
-              <a:t>07/05/17</a:t>
+              <a:t>25/05/17</a:t>
             </a:fld>
             <a:endParaRPr lang="en-US"/>
           </a:p>
@@ -2346,7 +2346,7 @@
           <a:p>
             <a:fld id="{875CF0EB-321F-0749-B37A-89BBA859503C}" type="datetimeFigureOut">
               <a:rPr lang="en-US" smtClean="0"/>
-              <a:t>07/05/17</a:t>
+              <a:t>25/05/17</a:t>
             </a:fld>
             <a:endParaRPr lang="en-US"/>
           </a:p>
@@ -2465,7 +2465,7 @@
           <a:p>
             <a:fld id="{875CF0EB-321F-0749-B37A-89BBA859503C}" type="datetimeFigureOut">
               <a:rPr lang="en-US" smtClean="0"/>
-              <a:t>07/05/17</a:t>
+              <a:t>25/05/17</a:t>
             </a:fld>
             <a:endParaRPr lang="en-US"/>
           </a:p>
@@ -2766,7 +2766,7 @@
           <a:p>
             <a:fld id="{875CF0EB-321F-0749-B37A-89BBA859503C}" type="datetimeFigureOut">
               <a:rPr lang="en-US" smtClean="0"/>
-              <a:t>07/05/17</a:t>
+              <a:t>25/05/17</a:t>
             </a:fld>
             <a:endParaRPr lang="en-US"/>
           </a:p>
@@ -3043,7 +3043,7 @@
           <a:p>
             <a:fld id="{875CF0EB-321F-0749-B37A-89BBA859503C}" type="datetimeFigureOut">
               <a:rPr lang="en-US" smtClean="0"/>
-              <a:t>07/05/17</a:t>
+              <a:t>25/05/17</a:t>
             </a:fld>
             <a:endParaRPr lang="en-US"/>
           </a:p>
@@ -3887,6 +3887,13 @@
   <p:clrMapOvr>
     <a:masterClrMapping/>
   </p:clrMapOvr>
+  <p:timing>
+    <p:tnLst>
+      <p:par>
+        <p:cTn xmlns:p14="http://schemas.microsoft.com/office/powerpoint/2010/main" id="1" dur="indefinite" restart="never" nodeType="tmRoot"/>
+      </p:par>
+    </p:tnLst>
+  </p:timing>
 </p:sld>
 </file>
 
@@ -4003,6 +4010,13 @@
       <p:transition xmlns:p14="http://schemas.microsoft.com/office/powerpoint/2010/main" spd="slow"/>
     </mc:Fallback>
   </mc:AlternateContent>
+  <p:timing>
+    <p:tnLst>
+      <p:par>
+        <p:cTn xmlns:p14="http://schemas.microsoft.com/office/powerpoint/2010/main" id="1" dur="indefinite" restart="never" nodeType="tmRoot"/>
+      </p:par>
+    </p:tnLst>
+  </p:timing>
 </p:sld>
 </file>
 
@@ -4239,6 +4253,13 @@
       <p:transition xmlns:p14="http://schemas.microsoft.com/office/powerpoint/2010/main" spd="slow"/>
     </mc:Fallback>
   </mc:AlternateContent>
+  <p:timing>
+    <p:tnLst>
+      <p:par>
+        <p:cTn xmlns:p14="http://schemas.microsoft.com/office/powerpoint/2010/main" id="1" dur="indefinite" restart="never" nodeType="tmRoot"/>
+      </p:par>
+    </p:tnLst>
+  </p:timing>
 </p:sld>
 </file>
 
@@ -4497,6 +4518,13 @@
   <p:clrMapOvr>
     <a:masterClrMapping/>
   </p:clrMapOvr>
+  <p:timing>
+    <p:tnLst>
+      <p:par>
+        <p:cTn xmlns:p14="http://schemas.microsoft.com/office/powerpoint/2010/main" id="1" dur="indefinite" restart="never" nodeType="tmRoot"/>
+      </p:par>
+    </p:tnLst>
+  </p:timing>
 </p:sld>
 </file>
 
@@ -4618,6 +4646,13 @@
   <p:clrMapOvr>
     <a:masterClrMapping/>
   </p:clrMapOvr>
+  <p:timing>
+    <p:tnLst>
+      <p:par>
+        <p:cTn xmlns:p14="http://schemas.microsoft.com/office/powerpoint/2010/main" id="1" dur="indefinite" restart="never" nodeType="tmRoot"/>
+      </p:par>
+    </p:tnLst>
+  </p:timing>
 </p:sld>
 </file>
 
@@ -4671,6 +4706,13 @@
   <p:clrMapOvr>
     <a:masterClrMapping/>
   </p:clrMapOvr>
+  <p:timing>
+    <p:tnLst>
+      <p:par>
+        <p:cTn xmlns:p14="http://schemas.microsoft.com/office/powerpoint/2010/main" id="1" dur="indefinite" restart="never" nodeType="tmRoot"/>
+      </p:par>
+    </p:tnLst>
+  </p:timing>
 </p:sld>
 </file>
 
@@ -4769,6 +4811,13 @@
   <p:clrMapOvr>
     <a:masterClrMapping/>
   </p:clrMapOvr>
+  <p:timing>
+    <p:tnLst>
+      <p:par>
+        <p:cTn xmlns:p14="http://schemas.microsoft.com/office/powerpoint/2010/main" id="1" dur="indefinite" restart="never" nodeType="tmRoot"/>
+      </p:par>
+    </p:tnLst>
+  </p:timing>
 </p:sld>
 </file>
 
@@ -4931,6 +4980,13 @@
       <p:transition xmlns:p14="http://schemas.microsoft.com/office/powerpoint/2010/main" spd="slow"/>
     </mc:Fallback>
   </mc:AlternateContent>
+  <p:timing>
+    <p:tnLst>
+      <p:par>
+        <p:cTn xmlns:p14="http://schemas.microsoft.com/office/powerpoint/2010/main" id="1" dur="indefinite" restart="never" nodeType="tmRoot"/>
+      </p:par>
+    </p:tnLst>
+  </p:timing>
 </p:sld>
 </file>
 
@@ -5080,6 +5136,13 @@
   <p:clrMapOvr>
     <a:masterClrMapping/>
   </p:clrMapOvr>
+  <p:timing>
+    <p:tnLst>
+      <p:par>
+        <p:cTn xmlns:p14="http://schemas.microsoft.com/office/powerpoint/2010/main" id="1" dur="indefinite" restart="never" nodeType="tmRoot"/>
+      </p:par>
+    </p:tnLst>
+  </p:timing>
 </p:sld>
 </file>
 
@@ -6316,6 +6379,13 @@
       <p:transition xmlns:p14="http://schemas.microsoft.com/office/powerpoint/2010/main" spd="slow"/>
     </mc:Fallback>
   </mc:AlternateContent>
+  <p:timing>
+    <p:tnLst>
+      <p:par>
+        <p:cTn xmlns:p14="http://schemas.microsoft.com/office/powerpoint/2010/main" id="1" dur="indefinite" restart="never" nodeType="tmRoot"/>
+      </p:par>
+    </p:tnLst>
+  </p:timing>
 </p:sld>
 </file>
 
